--- a/web/1-HTML/html.pptx
+++ b/web/1-HTML/html.pptx
@@ -219,7 +219,7 @@
           <a:p>
             <a:fld id="{5EB47243-285B-2741-8C7D-C88258D9CCFA}" type="datetimeFigureOut">
               <a:rPr lang="fr-FR" smtClean="0"/>
-              <a:t>24/05/2019</a:t>
+              <a:t>27/05/2019</a:t>
             </a:fld>
             <a:endParaRPr lang="fr-FR"/>
           </a:p>
@@ -285,7 +285,7 @@
           <a:p>
             <a:fld id="{C5CA9166-BC48-2C47-B9BF-6F57720E77B8}" type="slidenum">
               <a:rPr lang="fr-FR" smtClean="0"/>
-              <a:t>‹N°›</a:t>
+              <a:t>‹#›</a:t>
             </a:fld>
             <a:endParaRPr lang="fr-FR"/>
           </a:p>
@@ -385,7 +385,7 @@
           <a:p>
             <a:fld id="{7D088D39-B4EA-D24B-B9C3-6A64886EABE2}" type="datetimeFigureOut">
               <a:rPr lang="fr-FR" smtClean="0"/>
-              <a:t>24/05/2019</a:t>
+              <a:t>27/05/2019</a:t>
             </a:fld>
             <a:endParaRPr lang="fr-FR"/>
           </a:p>
@@ -449,38 +449,37 @@
           <a:p>
             <a:pPr lvl="0"/>
             <a:r>
-              <a:rPr lang="fr-FR" smtClean="0"/>
+              <a:rPr lang="fr-FR"/>
               <a:t>Cliquez pour modifier les styles du texte du masque</a:t>
             </a:r>
           </a:p>
           <a:p>
             <a:pPr lvl="1"/>
             <a:r>
-              <a:rPr lang="fr-FR" smtClean="0"/>
+              <a:rPr lang="fr-FR"/>
               <a:t>Deuxième niveau</a:t>
             </a:r>
           </a:p>
           <a:p>
             <a:pPr lvl="2"/>
             <a:r>
-              <a:rPr lang="fr-FR" smtClean="0"/>
+              <a:rPr lang="fr-FR"/>
               <a:t>Troisième niveau</a:t>
             </a:r>
           </a:p>
           <a:p>
             <a:pPr lvl="3"/>
             <a:r>
-              <a:rPr lang="fr-FR" smtClean="0"/>
+              <a:rPr lang="fr-FR"/>
               <a:t>Quatrième niveau</a:t>
             </a:r>
           </a:p>
           <a:p>
             <a:pPr lvl="4"/>
             <a:r>
-              <a:rPr lang="fr-FR" smtClean="0"/>
+              <a:rPr lang="fr-FR"/>
               <a:t>Cinquième niveau</a:t>
             </a:r>
-            <a:endParaRPr lang="fr-FR"/>
           </a:p>
         </p:txBody>
       </p:sp>
@@ -544,7 +543,7 @@
           <a:p>
             <a:fld id="{1C0E2CBA-6097-B848-A7DA-4D7BD6EB303B}" type="slidenum">
               <a:rPr lang="fr-FR" smtClean="0"/>
-              <a:t>‹N°›</a:t>
+              <a:t>‹#›</a:t>
             </a:fld>
             <a:endParaRPr lang="fr-FR"/>
           </a:p>
@@ -699,7 +698,7 @@
           <a:lstStyle/>
           <a:p>
             <a:r>
-              <a:rPr lang="fr-FR" sz="1200" b="0" kern="1200" dirty="0" smtClean="0">
+              <a:rPr lang="fr-FR" sz="1200" b="0" kern="1200" dirty="0">
                 <a:solidFill>
                   <a:schemeClr val="tx1"/>
                 </a:solidFill>
@@ -712,8 +711,8 @@
             </a:r>
           </a:p>
           <a:p>
-            <a:r>
-              <a:rPr lang="fr-FR" sz="1200" b="0" kern="1200" dirty="0" smtClean="0">
+            <a:br>
+              <a:rPr lang="fr-FR" sz="1200" b="0" kern="1200" dirty="0">
                 <a:solidFill>
                   <a:schemeClr val="tx1"/>
                 </a:solidFill>
@@ -722,10 +721,9 @@
                 <a:ea typeface="+mn-ea"/>
                 <a:cs typeface="+mn-cs"/>
               </a:rPr>
-              <a:t/>
-            </a:r>
-            <a:br>
-              <a:rPr lang="fr-FR" sz="1200" b="0" kern="1200" dirty="0" smtClean="0">
+            </a:br>
+            <a:r>
+              <a:rPr lang="fr-FR" sz="1200" b="0" kern="1200" dirty="0">
                 <a:solidFill>
                   <a:schemeClr val="tx1"/>
                 </a:solidFill>
@@ -734,9 +732,10 @@
                 <a:ea typeface="+mn-ea"/>
                 <a:cs typeface="+mn-cs"/>
               </a:rPr>
-            </a:br>
-            <a:r>
-              <a:rPr lang="fr-FR" sz="1200" b="0" kern="1200" dirty="0" smtClean="0">
+              <a:t>Le texte contient ensuite des balises ouvrantes et fermantes (`&lt;html&gt;` et `&lt;/html&gt;`) ou encore (`&lt;/</a:t>
+            </a:r>
+            <a:r>
+              <a:rPr lang="fr-FR" sz="1200" b="0" kern="1200" dirty="0" err="1">
                 <a:solidFill>
                   <a:schemeClr val="tx1"/>
                 </a:solidFill>
@@ -745,10 +744,10 @@
                 <a:ea typeface="+mn-ea"/>
                 <a:cs typeface="+mn-cs"/>
               </a:rPr>
-              <a:t>Le texte contient ensuite des balises ouvrantes et fermantes (`&lt;html&gt;` et `&lt;/html&gt;`) ou encore (`&lt;/</a:t>
-            </a:r>
-            <a:r>
-              <a:rPr lang="fr-FR" sz="1200" b="0" kern="1200" dirty="0" err="1" smtClean="0">
+              <a:t>title</a:t>
+            </a:r>
+            <a:r>
+              <a:rPr lang="fr-FR" sz="1200" b="0" kern="1200" dirty="0">
                 <a:solidFill>
                   <a:schemeClr val="tx1"/>
                 </a:solidFill>
@@ -757,10 +756,10 @@
                 <a:ea typeface="+mn-ea"/>
                 <a:cs typeface="+mn-cs"/>
               </a:rPr>
-              <a:t>title</a:t>
-            </a:r>
-            <a:r>
-              <a:rPr lang="fr-FR" sz="1200" b="0" kern="1200" dirty="0" smtClean="0">
+              <a:t>&gt;` et `&lt;/</a:t>
+            </a:r>
+            <a:r>
+              <a:rPr lang="fr-FR" sz="1200" b="0" kern="1200" dirty="0" err="1">
                 <a:solidFill>
                   <a:schemeClr val="tx1"/>
                 </a:solidFill>
@@ -769,10 +768,10 @@
                 <a:ea typeface="+mn-ea"/>
                 <a:cs typeface="+mn-cs"/>
               </a:rPr>
-              <a:t>&gt;` et `&lt;/</a:t>
-            </a:r>
-            <a:r>
-              <a:rPr lang="fr-FR" sz="1200" b="0" kern="1200" dirty="0" err="1" smtClean="0">
+              <a:t>title</a:t>
+            </a:r>
+            <a:r>
+              <a:rPr lang="fr-FR" sz="1200" b="0" kern="1200" dirty="0">
                 <a:solidFill>
                   <a:schemeClr val="tx1"/>
                 </a:solidFill>
@@ -781,10 +780,12 @@
                 <a:ea typeface="+mn-ea"/>
                 <a:cs typeface="+mn-cs"/>
               </a:rPr>
-              <a:t>title</a:t>
-            </a:r>
-            <a:r>
-              <a:rPr lang="fr-FR" sz="1200" b="0" kern="1200" dirty="0" smtClean="0">
+              <a:t>&gt;`.</a:t>
+            </a:r>
+          </a:p>
+          <a:p>
+            <a:br>
+              <a:rPr lang="fr-FR" sz="1200" b="0" kern="1200" dirty="0">
                 <a:solidFill>
                   <a:schemeClr val="tx1"/>
                 </a:solidFill>
@@ -793,12 +794,9 @@
                 <a:ea typeface="+mn-ea"/>
                 <a:cs typeface="+mn-cs"/>
               </a:rPr>
-              <a:t>&gt;`.</a:t>
-            </a:r>
-          </a:p>
-          <a:p>
-            <a:r>
-              <a:rPr lang="fr-FR" sz="1200" b="0" kern="1200" dirty="0" smtClean="0">
+            </a:br>
+            <a:r>
+              <a:rPr lang="fr-FR" sz="1200" b="0" kern="1200" dirty="0">
                 <a:solidFill>
                   <a:schemeClr val="tx1"/>
                 </a:solidFill>
@@ -807,10 +805,12 @@
                 <a:ea typeface="+mn-ea"/>
                 <a:cs typeface="+mn-cs"/>
               </a:rPr>
-              <a:t/>
-            </a:r>
+              <a:t>L'imbrication des balises ouvrantes et fermantes constitue un arbre (qui est marqué ici par l'indentation du texte mais ce n'est pas obligatoire).</a:t>
+            </a:r>
+          </a:p>
+          <a:p>
             <a:br>
-              <a:rPr lang="fr-FR" sz="1200" b="0" kern="1200" dirty="0" smtClean="0">
+              <a:rPr lang="fr-FR" sz="1200" b="0" kern="1200" dirty="0">
                 <a:solidFill>
                   <a:schemeClr val="tx1"/>
                 </a:solidFill>
@@ -821,7 +821,7 @@
               </a:rPr>
             </a:br>
             <a:r>
-              <a:rPr lang="fr-FR" sz="1200" b="0" kern="1200" dirty="0" smtClean="0">
+              <a:rPr lang="fr-FR" sz="1200" b="0" kern="1200" dirty="0">
                 <a:solidFill>
                   <a:schemeClr val="tx1"/>
                 </a:solidFill>
@@ -830,12 +830,12 @@
                 <a:ea typeface="+mn-ea"/>
                 <a:cs typeface="+mn-cs"/>
               </a:rPr>
-              <a:t>L'imbrication des balises ouvrantes et fermantes constitue un arbre (qui est marqué ici par l'indentation du texte mais ce n'est pas obligatoire).</a:t>
-            </a:r>
-          </a:p>
-          <a:p>
-            <a:r>
-              <a:rPr lang="fr-FR" sz="1200" b="0" kern="1200" dirty="0" smtClean="0">
+              <a:t>Chaque balise a une signification. Notre exemple contient les balises suivantes : </a:t>
+            </a:r>
+          </a:p>
+          <a:p>
+            <a:r>
+              <a:rPr lang="fr-FR" sz="1200" b="0" kern="1200" dirty="0">
                 <a:solidFill>
                   <a:schemeClr val="tx1"/>
                 </a:solidFill>
@@ -844,10 +844,12 @@
                 <a:ea typeface="+mn-ea"/>
                 <a:cs typeface="+mn-cs"/>
               </a:rPr>
-              <a:t/>
-            </a:r>
-            <a:br>
-              <a:rPr lang="fr-FR" sz="1200" b="0" kern="1200" dirty="0" smtClean="0">
+              <a:t>* `&lt;html&gt;` : Représente la racine de l'arbre HTML.</a:t>
+            </a:r>
+          </a:p>
+          <a:p>
+            <a:r>
+              <a:rPr lang="fr-FR" sz="1200" b="0" kern="1200" dirty="0">
                 <a:solidFill>
                   <a:schemeClr val="tx1"/>
                 </a:solidFill>
@@ -856,9 +858,10 @@
                 <a:ea typeface="+mn-ea"/>
                 <a:cs typeface="+mn-cs"/>
               </a:rPr>
-            </a:br>
-            <a:r>
-              <a:rPr lang="fr-FR" sz="1200" b="0" kern="1200" dirty="0" smtClean="0">
+              <a:t>* `&lt;</a:t>
+            </a:r>
+            <a:r>
+              <a:rPr lang="fr-FR" sz="1200" b="0" kern="1200" dirty="0" err="1">
                 <a:solidFill>
                   <a:schemeClr val="tx1"/>
                 </a:solidFill>
@@ -867,12 +870,10 @@
                 <a:ea typeface="+mn-ea"/>
                 <a:cs typeface="+mn-cs"/>
               </a:rPr>
-              <a:t>Chaque balise a une signification. Notre exemple contient les balises suivantes : </a:t>
-            </a:r>
-          </a:p>
-          <a:p>
-            <a:r>
-              <a:rPr lang="fr-FR" sz="1200" b="0" kern="1200" dirty="0" smtClean="0">
+              <a:t>head</a:t>
+            </a:r>
+            <a:r>
+              <a:rPr lang="fr-FR" sz="1200" b="0" kern="1200" dirty="0">
                 <a:solidFill>
                   <a:schemeClr val="tx1"/>
                 </a:solidFill>
@@ -881,12 +882,10 @@
                 <a:ea typeface="+mn-ea"/>
                 <a:cs typeface="+mn-cs"/>
               </a:rPr>
-              <a:t>* `&lt;html&gt;` : Représente la racine de l'arbre HTML.</a:t>
-            </a:r>
-          </a:p>
-          <a:p>
-            <a:r>
-              <a:rPr lang="fr-FR" sz="1200" b="0" kern="1200" dirty="0" smtClean="0">
+              <a:t>&gt;` : Cette balise contient les informations (</a:t>
+            </a:r>
+            <a:r>
+              <a:rPr lang="fr-FR" sz="1200" b="0" kern="1200" dirty="0" err="1">
                 <a:solidFill>
                   <a:schemeClr val="tx1"/>
                 </a:solidFill>
@@ -895,10 +894,10 @@
                 <a:ea typeface="+mn-ea"/>
                 <a:cs typeface="+mn-cs"/>
               </a:rPr>
-              <a:t>* `&lt;</a:t>
-            </a:r>
-            <a:r>
-              <a:rPr lang="fr-FR" sz="1200" b="0" kern="1200" dirty="0" err="1" smtClean="0">
+              <a:t>méta-données</a:t>
+            </a:r>
+            <a:r>
+              <a:rPr lang="fr-FR" sz="1200" b="0" kern="1200" dirty="0">
                 <a:solidFill>
                   <a:schemeClr val="tx1"/>
                 </a:solidFill>
@@ -907,10 +906,12 @@
                 <a:ea typeface="+mn-ea"/>
                 <a:cs typeface="+mn-cs"/>
               </a:rPr>
-              <a:t>head</a:t>
-            </a:r>
-            <a:r>
-              <a:rPr lang="fr-FR" sz="1200" b="0" kern="1200" dirty="0" smtClean="0">
+              <a:t>) de la page HTML.</a:t>
+            </a:r>
+          </a:p>
+          <a:p>
+            <a:r>
+              <a:rPr lang="fr-FR" sz="1200" b="0" kern="1200" dirty="0">
                 <a:solidFill>
                   <a:schemeClr val="tx1"/>
                 </a:solidFill>
@@ -919,10 +920,10 @@
                 <a:ea typeface="+mn-ea"/>
                 <a:cs typeface="+mn-cs"/>
               </a:rPr>
-              <a:t>&gt;` : Cette balise contient les informations (</a:t>
-            </a:r>
-            <a:r>
-              <a:rPr lang="fr-FR" sz="1200" b="0" kern="1200" dirty="0" err="1" smtClean="0">
+              <a:t>* `&lt;</a:t>
+            </a:r>
+            <a:r>
+              <a:rPr lang="fr-FR" sz="1200" b="0" kern="1200" dirty="0" err="1">
                 <a:solidFill>
                   <a:schemeClr val="tx1"/>
                 </a:solidFill>
@@ -931,10 +932,10 @@
                 <a:ea typeface="+mn-ea"/>
                 <a:cs typeface="+mn-cs"/>
               </a:rPr>
-              <a:t>méta-données</a:t>
-            </a:r>
-            <a:r>
-              <a:rPr lang="fr-FR" sz="1200" b="0" kern="1200" dirty="0" smtClean="0">
+              <a:t>title</a:t>
+            </a:r>
+            <a:r>
+              <a:rPr lang="fr-FR" sz="1200" b="0" kern="1200" dirty="0">
                 <a:solidFill>
                   <a:schemeClr val="tx1"/>
                 </a:solidFill>
@@ -943,50 +944,12 @@
                 <a:ea typeface="+mn-ea"/>
                 <a:cs typeface="+mn-cs"/>
               </a:rPr>
-              <a:t>) de la page HTML.</a:t>
-            </a:r>
-          </a:p>
-          <a:p>
-            <a:r>
-              <a:rPr lang="fr-FR" sz="1200" b="0" kern="1200" dirty="0" smtClean="0">
-                <a:solidFill>
-                  <a:schemeClr val="tx1"/>
-                </a:solidFill>
-                <a:effectLst/>
-                <a:latin typeface="+mn-lt"/>
-                <a:ea typeface="+mn-ea"/>
-                <a:cs typeface="+mn-cs"/>
-              </a:rPr>
-              <a:t>* `&lt;</a:t>
-            </a:r>
-            <a:r>
-              <a:rPr lang="fr-FR" sz="1200" b="0" kern="1200" dirty="0" err="1" smtClean="0">
-                <a:solidFill>
-                  <a:schemeClr val="tx1"/>
-                </a:solidFill>
-                <a:effectLst/>
-                <a:latin typeface="+mn-lt"/>
-                <a:ea typeface="+mn-ea"/>
-                <a:cs typeface="+mn-cs"/>
-              </a:rPr>
-              <a:t>title</a:t>
-            </a:r>
-            <a:r>
-              <a:rPr lang="fr-FR" sz="1200" b="0" kern="1200" dirty="0" smtClean="0">
-                <a:solidFill>
-                  <a:schemeClr val="tx1"/>
-                </a:solidFill>
-                <a:effectLst/>
-                <a:latin typeface="+mn-lt"/>
-                <a:ea typeface="+mn-ea"/>
-                <a:cs typeface="+mn-cs"/>
-              </a:rPr>
               <a:t>&gt;` : Cette balise permet de donner un titre à la page. Ce titre sera affiché par le navigateur dans l'onglet.</a:t>
             </a:r>
           </a:p>
           <a:p>
             <a:r>
-              <a:rPr lang="fr-FR" sz="1200" b="0" kern="1200" dirty="0" smtClean="0">
+              <a:rPr lang="fr-FR" sz="1200" b="0" kern="1200" dirty="0">
                 <a:solidFill>
                   <a:schemeClr val="tx1"/>
                 </a:solidFill>
@@ -1084,7 +1047,7 @@
           <a:lstStyle/>
           <a:p>
             <a:r>
-              <a:rPr lang="fr-FR" sz="1200" b="0" kern="1200" dirty="0" smtClean="0">
+              <a:rPr lang="fr-FR" sz="1200" b="0" kern="1200" dirty="0">
                 <a:solidFill>
                   <a:schemeClr val="tx1"/>
                 </a:solidFill>
@@ -1097,8 +1060,8 @@
             </a:r>
           </a:p>
           <a:p>
-            <a:r>
-              <a:rPr lang="fr-FR" sz="1200" b="0" kern="1200" dirty="0" smtClean="0">
+            <a:br>
+              <a:rPr lang="fr-FR" sz="1200" b="0" kern="1200" dirty="0">
                 <a:solidFill>
                   <a:schemeClr val="tx1"/>
                 </a:solidFill>
@@ -1107,10 +1070,9 @@
                 <a:ea typeface="+mn-ea"/>
                 <a:cs typeface="+mn-cs"/>
               </a:rPr>
-              <a:t/>
-            </a:r>
-            <a:br>
-              <a:rPr lang="fr-FR" sz="1200" b="0" kern="1200" dirty="0" smtClean="0">
+            </a:br>
+            <a:r>
+              <a:rPr lang="fr-FR" sz="1200" b="0" kern="1200" dirty="0">
                 <a:solidFill>
                   <a:schemeClr val="tx1"/>
                 </a:solidFill>
@@ -1119,9 +1081,10 @@
                 <a:ea typeface="+mn-ea"/>
                 <a:cs typeface="+mn-cs"/>
               </a:rPr>
-            </a:br>
-            <a:r>
-              <a:rPr lang="fr-FR" sz="1200" b="0" kern="1200" dirty="0" smtClean="0">
+              <a:t>Le texte contient ensuite des balises ouvrantes et fermantes (`&lt;html&gt;` et `&lt;/html&gt;`) ou encore (`&lt;/</a:t>
+            </a:r>
+            <a:r>
+              <a:rPr lang="fr-FR" sz="1200" b="0" kern="1200" dirty="0" err="1">
                 <a:solidFill>
                   <a:schemeClr val="tx1"/>
                 </a:solidFill>
@@ -1130,10 +1093,10 @@
                 <a:ea typeface="+mn-ea"/>
                 <a:cs typeface="+mn-cs"/>
               </a:rPr>
-              <a:t>Le texte contient ensuite des balises ouvrantes et fermantes (`&lt;html&gt;` et `&lt;/html&gt;`) ou encore (`&lt;/</a:t>
-            </a:r>
-            <a:r>
-              <a:rPr lang="fr-FR" sz="1200" b="0" kern="1200" dirty="0" err="1" smtClean="0">
+              <a:t>title</a:t>
+            </a:r>
+            <a:r>
+              <a:rPr lang="fr-FR" sz="1200" b="0" kern="1200" dirty="0">
                 <a:solidFill>
                   <a:schemeClr val="tx1"/>
                 </a:solidFill>
@@ -1142,10 +1105,10 @@
                 <a:ea typeface="+mn-ea"/>
                 <a:cs typeface="+mn-cs"/>
               </a:rPr>
-              <a:t>title</a:t>
-            </a:r>
-            <a:r>
-              <a:rPr lang="fr-FR" sz="1200" b="0" kern="1200" dirty="0" smtClean="0">
+              <a:t>&gt;` et `&lt;/</a:t>
+            </a:r>
+            <a:r>
+              <a:rPr lang="fr-FR" sz="1200" b="0" kern="1200" dirty="0" err="1">
                 <a:solidFill>
                   <a:schemeClr val="tx1"/>
                 </a:solidFill>
@@ -1154,10 +1117,10 @@
                 <a:ea typeface="+mn-ea"/>
                 <a:cs typeface="+mn-cs"/>
               </a:rPr>
-              <a:t>&gt;` et `&lt;/</a:t>
-            </a:r>
-            <a:r>
-              <a:rPr lang="fr-FR" sz="1200" b="0" kern="1200" dirty="0" err="1" smtClean="0">
+              <a:t>title</a:t>
+            </a:r>
+            <a:r>
+              <a:rPr lang="fr-FR" sz="1200" b="0" kern="1200" dirty="0">
                 <a:solidFill>
                   <a:schemeClr val="tx1"/>
                 </a:solidFill>
@@ -1166,10 +1129,12 @@
                 <a:ea typeface="+mn-ea"/>
                 <a:cs typeface="+mn-cs"/>
               </a:rPr>
-              <a:t>title</a:t>
-            </a:r>
-            <a:r>
-              <a:rPr lang="fr-FR" sz="1200" b="0" kern="1200" dirty="0" smtClean="0">
+              <a:t>&gt;`.</a:t>
+            </a:r>
+          </a:p>
+          <a:p>
+            <a:br>
+              <a:rPr lang="fr-FR" sz="1200" b="0" kern="1200" dirty="0">
                 <a:solidFill>
                   <a:schemeClr val="tx1"/>
                 </a:solidFill>
@@ -1178,12 +1143,9 @@
                 <a:ea typeface="+mn-ea"/>
                 <a:cs typeface="+mn-cs"/>
               </a:rPr>
-              <a:t>&gt;`.</a:t>
-            </a:r>
-          </a:p>
-          <a:p>
-            <a:r>
-              <a:rPr lang="fr-FR" sz="1200" b="0" kern="1200" dirty="0" smtClean="0">
+            </a:br>
+            <a:r>
+              <a:rPr lang="fr-FR" sz="1200" b="0" kern="1200" dirty="0">
                 <a:solidFill>
                   <a:schemeClr val="tx1"/>
                 </a:solidFill>
@@ -1192,10 +1154,12 @@
                 <a:ea typeface="+mn-ea"/>
                 <a:cs typeface="+mn-cs"/>
               </a:rPr>
-              <a:t/>
-            </a:r>
+              <a:t>L'imbrication des balises ouvrantes et fermantes constitue un arbre (qui est marqué ici par l'indentation du texte mais ce n'est pas obligatoire).</a:t>
+            </a:r>
+          </a:p>
+          <a:p>
             <a:br>
-              <a:rPr lang="fr-FR" sz="1200" b="0" kern="1200" dirty="0" smtClean="0">
+              <a:rPr lang="fr-FR" sz="1200" b="0" kern="1200" dirty="0">
                 <a:solidFill>
                   <a:schemeClr val="tx1"/>
                 </a:solidFill>
@@ -1206,7 +1170,7 @@
               </a:rPr>
             </a:br>
             <a:r>
-              <a:rPr lang="fr-FR" sz="1200" b="0" kern="1200" dirty="0" smtClean="0">
+              <a:rPr lang="fr-FR" sz="1200" b="0" kern="1200" dirty="0">
                 <a:solidFill>
                   <a:schemeClr val="tx1"/>
                 </a:solidFill>
@@ -1215,12 +1179,12 @@
                 <a:ea typeface="+mn-ea"/>
                 <a:cs typeface="+mn-cs"/>
               </a:rPr>
-              <a:t>L'imbrication des balises ouvrantes et fermantes constitue un arbre (qui est marqué ici par l'indentation du texte mais ce n'est pas obligatoire).</a:t>
-            </a:r>
-          </a:p>
-          <a:p>
-            <a:r>
-              <a:rPr lang="fr-FR" sz="1200" b="0" kern="1200" dirty="0" smtClean="0">
+              <a:t>Chaque balise a une signification. Notre exemple contient les balises suivantes : </a:t>
+            </a:r>
+          </a:p>
+          <a:p>
+            <a:r>
+              <a:rPr lang="fr-FR" sz="1200" b="0" kern="1200" dirty="0">
                 <a:solidFill>
                   <a:schemeClr val="tx1"/>
                 </a:solidFill>
@@ -1229,10 +1193,12 @@
                 <a:ea typeface="+mn-ea"/>
                 <a:cs typeface="+mn-cs"/>
               </a:rPr>
-              <a:t/>
-            </a:r>
-            <a:br>
-              <a:rPr lang="fr-FR" sz="1200" b="0" kern="1200" dirty="0" smtClean="0">
+              <a:t>* `&lt;html&gt;` : Représente la racine de l'arbre HTML.</a:t>
+            </a:r>
+          </a:p>
+          <a:p>
+            <a:r>
+              <a:rPr lang="fr-FR" sz="1200" b="0" kern="1200" dirty="0">
                 <a:solidFill>
                   <a:schemeClr val="tx1"/>
                 </a:solidFill>
@@ -1241,9 +1207,10 @@
                 <a:ea typeface="+mn-ea"/>
                 <a:cs typeface="+mn-cs"/>
               </a:rPr>
-            </a:br>
-            <a:r>
-              <a:rPr lang="fr-FR" sz="1200" b="0" kern="1200" dirty="0" smtClean="0">
+              <a:t>* `&lt;</a:t>
+            </a:r>
+            <a:r>
+              <a:rPr lang="fr-FR" sz="1200" b="0" kern="1200" dirty="0" err="1">
                 <a:solidFill>
                   <a:schemeClr val="tx1"/>
                 </a:solidFill>
@@ -1252,12 +1219,10 @@
                 <a:ea typeface="+mn-ea"/>
                 <a:cs typeface="+mn-cs"/>
               </a:rPr>
-              <a:t>Chaque balise a une signification. Notre exemple contient les balises suivantes : </a:t>
-            </a:r>
-          </a:p>
-          <a:p>
-            <a:r>
-              <a:rPr lang="fr-FR" sz="1200" b="0" kern="1200" dirty="0" smtClean="0">
+              <a:t>head</a:t>
+            </a:r>
+            <a:r>
+              <a:rPr lang="fr-FR" sz="1200" b="0" kern="1200" dirty="0">
                 <a:solidFill>
                   <a:schemeClr val="tx1"/>
                 </a:solidFill>
@@ -1266,12 +1231,10 @@
                 <a:ea typeface="+mn-ea"/>
                 <a:cs typeface="+mn-cs"/>
               </a:rPr>
-              <a:t>* `&lt;html&gt;` : Représente la racine de l'arbre HTML.</a:t>
-            </a:r>
-          </a:p>
-          <a:p>
-            <a:r>
-              <a:rPr lang="fr-FR" sz="1200" b="0" kern="1200" dirty="0" smtClean="0">
+              <a:t>&gt;` : Cette balise contient les informations (</a:t>
+            </a:r>
+            <a:r>
+              <a:rPr lang="fr-FR" sz="1200" b="0" kern="1200" dirty="0" err="1">
                 <a:solidFill>
                   <a:schemeClr val="tx1"/>
                 </a:solidFill>
@@ -1280,10 +1243,10 @@
                 <a:ea typeface="+mn-ea"/>
                 <a:cs typeface="+mn-cs"/>
               </a:rPr>
-              <a:t>* `&lt;</a:t>
-            </a:r>
-            <a:r>
-              <a:rPr lang="fr-FR" sz="1200" b="0" kern="1200" dirty="0" err="1" smtClean="0">
+              <a:t>méta-données</a:t>
+            </a:r>
+            <a:r>
+              <a:rPr lang="fr-FR" sz="1200" b="0" kern="1200" dirty="0">
                 <a:solidFill>
                   <a:schemeClr val="tx1"/>
                 </a:solidFill>
@@ -1292,10 +1255,12 @@
                 <a:ea typeface="+mn-ea"/>
                 <a:cs typeface="+mn-cs"/>
               </a:rPr>
-              <a:t>head</a:t>
-            </a:r>
-            <a:r>
-              <a:rPr lang="fr-FR" sz="1200" b="0" kern="1200" dirty="0" smtClean="0">
+              <a:t>) de la page HTML.</a:t>
+            </a:r>
+          </a:p>
+          <a:p>
+            <a:r>
+              <a:rPr lang="fr-FR" sz="1200" b="0" kern="1200" dirty="0">
                 <a:solidFill>
                   <a:schemeClr val="tx1"/>
                 </a:solidFill>
@@ -1304,10 +1269,10 @@
                 <a:ea typeface="+mn-ea"/>
                 <a:cs typeface="+mn-cs"/>
               </a:rPr>
-              <a:t>&gt;` : Cette balise contient les informations (</a:t>
-            </a:r>
-            <a:r>
-              <a:rPr lang="fr-FR" sz="1200" b="0" kern="1200" dirty="0" err="1" smtClean="0">
+              <a:t>* `&lt;</a:t>
+            </a:r>
+            <a:r>
+              <a:rPr lang="fr-FR" sz="1200" b="0" kern="1200" dirty="0" err="1">
                 <a:solidFill>
                   <a:schemeClr val="tx1"/>
                 </a:solidFill>
@@ -1316,10 +1281,10 @@
                 <a:ea typeface="+mn-ea"/>
                 <a:cs typeface="+mn-cs"/>
               </a:rPr>
-              <a:t>méta-données</a:t>
-            </a:r>
-            <a:r>
-              <a:rPr lang="fr-FR" sz="1200" b="0" kern="1200" dirty="0" smtClean="0">
+              <a:t>title</a:t>
+            </a:r>
+            <a:r>
+              <a:rPr lang="fr-FR" sz="1200" b="0" kern="1200" dirty="0">
                 <a:solidFill>
                   <a:schemeClr val="tx1"/>
                 </a:solidFill>
@@ -1328,50 +1293,12 @@
                 <a:ea typeface="+mn-ea"/>
                 <a:cs typeface="+mn-cs"/>
               </a:rPr>
-              <a:t>) de la page HTML.</a:t>
-            </a:r>
-          </a:p>
-          <a:p>
-            <a:r>
-              <a:rPr lang="fr-FR" sz="1200" b="0" kern="1200" dirty="0" smtClean="0">
-                <a:solidFill>
-                  <a:schemeClr val="tx1"/>
-                </a:solidFill>
-                <a:effectLst/>
-                <a:latin typeface="+mn-lt"/>
-                <a:ea typeface="+mn-ea"/>
-                <a:cs typeface="+mn-cs"/>
-              </a:rPr>
-              <a:t>* `&lt;</a:t>
-            </a:r>
-            <a:r>
-              <a:rPr lang="fr-FR" sz="1200" b="0" kern="1200" dirty="0" err="1" smtClean="0">
-                <a:solidFill>
-                  <a:schemeClr val="tx1"/>
-                </a:solidFill>
-                <a:effectLst/>
-                <a:latin typeface="+mn-lt"/>
-                <a:ea typeface="+mn-ea"/>
-                <a:cs typeface="+mn-cs"/>
-              </a:rPr>
-              <a:t>title</a:t>
-            </a:r>
-            <a:r>
-              <a:rPr lang="fr-FR" sz="1200" b="0" kern="1200" dirty="0" smtClean="0">
-                <a:solidFill>
-                  <a:schemeClr val="tx1"/>
-                </a:solidFill>
-                <a:effectLst/>
-                <a:latin typeface="+mn-lt"/>
-                <a:ea typeface="+mn-ea"/>
-                <a:cs typeface="+mn-cs"/>
-              </a:rPr>
               <a:t>&gt;` : Cette balise permet de donner un titre à la page. Ce titre sera affiché par le navigateur dans l'onglet.</a:t>
             </a:r>
           </a:p>
           <a:p>
             <a:r>
-              <a:rPr lang="fr-FR" sz="1200" b="0" kern="1200" dirty="0" smtClean="0">
+              <a:rPr lang="fr-FR" sz="1200" b="0" kern="1200" dirty="0">
                 <a:solidFill>
                   <a:schemeClr val="tx1"/>
                 </a:solidFill>
@@ -1486,7 +1413,7 @@
               <a:defRPr/>
             </a:pPr>
             <a:r>
-              <a:rPr kumimoji="0" lang="fr-FR" sz="1800" b="0" i="0" u="none" strike="noStrike" kern="0" cap="none" spc="0" normalizeH="0" baseline="0" noProof="0" dirty="0" smtClean="0">
+              <a:rPr kumimoji="0" lang="fr-FR" sz="1800" b="0" i="0" u="none" strike="noStrike" kern="0" cap="none" spc="0" normalizeH="0" baseline="0" noProof="0" dirty="0">
                 <a:ln>
                   <a:noFill/>
                 </a:ln>
@@ -1502,20 +1429,6 @@
               </a:rPr>
               <a:t> </a:t>
             </a:r>
-            <a:endParaRPr kumimoji="0" lang="fr-FR" sz="1800" b="0" i="0" u="none" strike="noStrike" kern="0" cap="none" spc="0" normalizeH="0" baseline="0" noProof="0" dirty="0">
-              <a:ln>
-                <a:noFill/>
-              </a:ln>
-              <a:solidFill>
-                <a:srgbClr val="000000"/>
-              </a:solidFill>
-              <a:effectLst/>
-              <a:uLnTx/>
-              <a:uFillTx/>
-              <a:latin typeface="Arial"/>
-              <a:ea typeface="+mn-ea"/>
-              <a:cs typeface="+mn-cs"/>
-            </a:endParaRPr>
           </a:p>
         </p:txBody>
       </p:sp>
@@ -1652,7 +1565,7 @@
               <a:defRPr/>
             </a:pPr>
             <a:r>
-              <a:rPr kumimoji="0" lang="fr-FR" sz="1800" b="0" i="0" u="none" strike="noStrike" kern="0" cap="none" spc="0" normalizeH="0" baseline="0" noProof="0" dirty="0" smtClean="0">
+              <a:rPr kumimoji="0" lang="fr-FR" sz="1800" b="0" i="0" u="none" strike="noStrike" kern="0" cap="none" spc="0" normalizeH="0" baseline="0" noProof="0" dirty="0">
                 <a:ln>
                   <a:noFill/>
                 </a:ln>
@@ -1665,17 +1578,6 @@
               </a:rPr>
               <a:t>Cliquez pour modifier le style des sous-titres du masque</a:t>
             </a:r>
-            <a:endParaRPr kumimoji="0" lang="fr-FR" sz="1800" b="0" i="0" u="none" strike="noStrike" kern="0" cap="none" spc="0" normalizeH="0" baseline="0" noProof="0" dirty="0">
-              <a:ln>
-                <a:noFill/>
-              </a:ln>
-              <a:solidFill>
-                <a:srgbClr val="FFFFFF"/>
-              </a:solidFill>
-              <a:effectLst/>
-              <a:uLnTx/>
-              <a:uFillTx/>
-            </a:endParaRPr>
           </a:p>
         </p:txBody>
       </p:sp>
@@ -1738,10 +1640,9 @@
           </a:lstStyle>
           <a:p>
             <a:r>
-              <a:rPr lang="fr-FR" dirty="0" smtClean="0"/>
+              <a:rPr lang="fr-FR" dirty="0"/>
               <a:t>Cliquez et modifiez le titre</a:t>
             </a:r>
-            <a:endParaRPr lang="fr-FR" dirty="0"/>
           </a:p>
         </p:txBody>
       </p:sp>
@@ -1755,13 +1656,6 @@
   <p:clrMapOvr>
     <a:masterClrMapping/>
   </p:clrMapOvr>
-  <p:timing>
-    <p:tnLst>
-      <p:par>
-        <p:cTn id="1" dur="indefinite" restart="never" nodeType="tmRoot"/>
-      </p:par>
-    </p:tnLst>
-  </p:timing>
 </p:sldLayout>
 </file>
 
@@ -1905,18 +1799,13 @@
           <a:p>
             <a:pPr algn="ctr"/>
             <a:r>
-              <a:rPr lang="fr-FR" dirty="0" smtClean="0">
+              <a:rPr lang="fr-FR" dirty="0">
                 <a:solidFill>
                   <a:schemeClr val="bg1"/>
                 </a:solidFill>
               </a:rPr>
               <a:t> </a:t>
             </a:r>
-            <a:endParaRPr lang="fr-FR" dirty="0">
-              <a:solidFill>
-                <a:schemeClr val="bg1"/>
-              </a:solidFill>
-            </a:endParaRPr>
           </a:p>
         </p:txBody>
       </p:sp>
@@ -1964,18 +1853,13 @@
           <a:p>
             <a:pPr algn="ctr"/>
             <a:r>
-              <a:rPr lang="fr-FR" dirty="0" smtClean="0">
+              <a:rPr lang="fr-FR" dirty="0">
                 <a:solidFill>
                   <a:schemeClr val="bg1"/>
                 </a:solidFill>
               </a:rPr>
               <a:t> </a:t>
             </a:r>
-            <a:endParaRPr lang="fr-FR" dirty="0">
-              <a:solidFill>
-                <a:schemeClr val="bg1"/>
-              </a:solidFill>
-            </a:endParaRPr>
           </a:p>
         </p:txBody>
       </p:sp>
@@ -1989,13 +1873,6 @@
   <p:clrMapOvr>
     <a:masterClrMapping/>
   </p:clrMapOvr>
-  <p:timing>
-    <p:tnLst>
-      <p:par>
-        <p:cTn id="1" dur="indefinite" restart="never" nodeType="tmRoot"/>
-      </p:par>
-    </p:tnLst>
-  </p:timing>
 </p:sldLayout>
 </file>
 
@@ -2095,10 +1972,9 @@
           </a:lstStyle>
           <a:p>
             <a:r>
-              <a:rPr lang="fr-FR" dirty="0" smtClean="0"/>
+              <a:rPr lang="fr-FR" dirty="0"/>
               <a:t>Cliquez et modifiez le titre</a:t>
             </a:r>
-            <a:endParaRPr lang="fr-FR" dirty="0"/>
           </a:p>
         </p:txBody>
       </p:sp>
@@ -2230,7 +2106,7 @@
               <a:defRPr/>
             </a:pPr>
             <a:r>
-              <a:rPr kumimoji="0" lang="fr-FR" sz="2000" b="0" i="0" u="none" strike="noStrike" kern="1200" cap="none" spc="0" normalizeH="0" baseline="0" noProof="0" dirty="0" smtClean="0">
+              <a:rPr kumimoji="0" lang="fr-FR" sz="2000" b="0" i="0" u="none" strike="noStrike" kern="1200" cap="none" spc="0" normalizeH="0" baseline="0" noProof="0" dirty="0">
                 <a:ln>
                   <a:noFill/>
                 </a:ln>
@@ -2268,7 +2144,7 @@
               <a:defRPr/>
             </a:pPr>
             <a:r>
-              <a:rPr kumimoji="0" lang="fr-FR" sz="1600" b="0" i="0" u="none" strike="noStrike" kern="1200" cap="none" spc="0" normalizeH="0" baseline="0" noProof="0" dirty="0" smtClean="0">
+              <a:rPr kumimoji="0" lang="fr-FR" sz="1600" b="0" i="0" u="none" strike="noStrike" kern="1200" cap="none" spc="0" normalizeH="0" baseline="0" noProof="0" dirty="0">
                 <a:ln>
                   <a:noFill/>
                 </a:ln>
@@ -2304,7 +2180,7 @@
               <a:defRPr/>
             </a:pPr>
             <a:r>
-              <a:rPr kumimoji="0" lang="fr-FR" sz="1600" b="0" i="0" u="none" strike="noStrike" kern="1200" cap="none" spc="0" normalizeH="0" baseline="0" noProof="0" dirty="0" smtClean="0">
+              <a:rPr kumimoji="0" lang="fr-FR" sz="1600" b="0" i="0" u="none" strike="noStrike" kern="1200" cap="none" spc="0" normalizeH="0" baseline="0" noProof="0" dirty="0">
                 <a:ln>
                   <a:noFill/>
                 </a:ln>
@@ -2340,7 +2216,7 @@
               <a:defRPr/>
             </a:pPr>
             <a:r>
-              <a:rPr kumimoji="0" lang="fr-FR" sz="1600" b="0" i="0" u="none" strike="noStrike" kern="1200" cap="none" spc="0" normalizeH="0" baseline="0" noProof="0" dirty="0" smtClean="0">
+              <a:rPr kumimoji="0" lang="fr-FR" sz="1600" b="0" i="0" u="none" strike="noStrike" kern="1200" cap="none" spc="0" normalizeH="0" baseline="0" noProof="0" dirty="0">
                 <a:ln>
                   <a:noFill/>
                 </a:ln>
@@ -2376,7 +2252,7 @@
               <a:defRPr/>
             </a:pPr>
             <a:r>
-              <a:rPr kumimoji="0" lang="fr-FR" sz="1600" b="0" i="0" u="none" strike="noStrike" kern="1200" cap="none" spc="0" normalizeH="0" baseline="0" noProof="0" dirty="0" smtClean="0">
+              <a:rPr kumimoji="0" lang="fr-FR" sz="1600" b="0" i="0" u="none" strike="noStrike" kern="1200" cap="none" spc="0" normalizeH="0" baseline="0" noProof="0" dirty="0">
                 <a:ln>
                   <a:noFill/>
                 </a:ln>
@@ -2392,20 +2268,6 @@
               </a:rPr>
               <a:t>Cinquième niveau</a:t>
             </a:r>
-            <a:endParaRPr kumimoji="0" lang="fr-FR" sz="1600" b="0" i="0" u="none" strike="noStrike" kern="1200" cap="none" spc="0" normalizeH="0" baseline="0" noProof="0" dirty="0">
-              <a:ln>
-                <a:noFill/>
-              </a:ln>
-              <a:solidFill>
-                <a:srgbClr val="000000"/>
-              </a:solidFill>
-              <a:effectLst/>
-              <a:uLnTx/>
-              <a:uFillTx/>
-              <a:latin typeface="+mn-lt"/>
-              <a:ea typeface="+mn-ea"/>
-              <a:cs typeface="+mn-cs"/>
-            </a:endParaRPr>
           </a:p>
         </p:txBody>
       </p:sp>
@@ -2442,7 +2304,7 @@
           <a:p>
             <a:fld id="{BB2FA04C-1355-4CE6-8050-4BD994E23BD5}" type="datetime4">
               <a:rPr lang="fr-FR" smtClean="0"/>
-              <a:t>24 mai 2019</a:t>
+              <a:t>27 mai 2019</a:t>
             </a:fld>
             <a:endParaRPr lang="fr-FR" dirty="0"/>
           </a:p>
@@ -2480,10 +2342,9 @@
           </a:lstStyle>
           <a:p>
             <a:r>
-              <a:rPr lang="fr-FR" smtClean="0"/>
+              <a:rPr lang="fr-FR"/>
               <a:t>DIU NSI</a:t>
             </a:r>
-            <a:endParaRPr lang="fr-FR"/>
           </a:p>
         </p:txBody>
       </p:sp>
@@ -2521,7 +2382,7 @@
             <a:fld id="{DCE37727-CC04-7A46-938D-2CCFF056F773}" type="slidenum">
               <a:rPr lang="fr-FR" smtClean="0"/>
               <a:pPr/>
-              <a:t>‹N°›</a:t>
+              <a:t>‹#›</a:t>
             </a:fld>
             <a:endParaRPr lang="fr-FR"/>
           </a:p>
@@ -2593,13 +2454,6 @@
   <p:clrMapOvr>
     <a:masterClrMapping/>
   </p:clrMapOvr>
-  <p:timing>
-    <p:tnLst>
-      <p:par>
-        <p:cTn id="1" dur="indefinite" restart="never" nodeType="tmRoot"/>
-      </p:par>
-    </p:tnLst>
-  </p:timing>
 </p:sldLayout>
 </file>
 
@@ -2675,38 +2529,37 @@
           <a:p>
             <a:pPr lvl="0"/>
             <a:r>
-              <a:rPr lang="fr-FR" dirty="0" smtClean="0"/>
+              <a:rPr lang="fr-FR" dirty="0"/>
               <a:t>Cliquez pour modifier les styles du texte du masque</a:t>
             </a:r>
           </a:p>
           <a:p>
             <a:pPr lvl="1"/>
             <a:r>
-              <a:rPr lang="fr-FR" dirty="0" smtClean="0"/>
+              <a:rPr lang="fr-FR" dirty="0"/>
               <a:t>Deuxième niveau</a:t>
             </a:r>
           </a:p>
           <a:p>
             <a:pPr lvl="2"/>
             <a:r>
-              <a:rPr lang="fr-FR" dirty="0" smtClean="0"/>
+              <a:rPr lang="fr-FR" dirty="0"/>
               <a:t>Troisième niveau</a:t>
             </a:r>
           </a:p>
           <a:p>
             <a:pPr lvl="3"/>
             <a:r>
-              <a:rPr lang="fr-FR" dirty="0" smtClean="0"/>
+              <a:rPr lang="fr-FR" dirty="0"/>
               <a:t>Quatrième niveau</a:t>
             </a:r>
           </a:p>
           <a:p>
             <a:pPr lvl="4"/>
             <a:r>
-              <a:rPr lang="fr-FR" dirty="0" smtClean="0"/>
+              <a:rPr lang="fr-FR" dirty="0"/>
               <a:t>Cinquième niveau</a:t>
             </a:r>
-            <a:endParaRPr lang="fr-FR" dirty="0"/>
           </a:p>
         </p:txBody>
       </p:sp>
@@ -2765,38 +2618,37 @@
           <a:p>
             <a:pPr lvl="0"/>
             <a:r>
-              <a:rPr lang="fr-FR" dirty="0" smtClean="0"/>
+              <a:rPr lang="fr-FR" dirty="0"/>
               <a:t>Cliquez pour modifier les styles du texte du masque</a:t>
             </a:r>
           </a:p>
           <a:p>
             <a:pPr lvl="1"/>
             <a:r>
-              <a:rPr lang="fr-FR" dirty="0" smtClean="0"/>
+              <a:rPr lang="fr-FR" dirty="0"/>
               <a:t>Deuxième niveau</a:t>
             </a:r>
           </a:p>
           <a:p>
             <a:pPr lvl="2"/>
             <a:r>
-              <a:rPr lang="fr-FR" dirty="0" smtClean="0"/>
+              <a:rPr lang="fr-FR" dirty="0"/>
               <a:t>Troisième niveau</a:t>
             </a:r>
           </a:p>
           <a:p>
             <a:pPr lvl="3"/>
             <a:r>
-              <a:rPr lang="fr-FR" dirty="0" smtClean="0"/>
+              <a:rPr lang="fr-FR" dirty="0"/>
               <a:t>Quatrième niveau</a:t>
             </a:r>
           </a:p>
           <a:p>
             <a:pPr lvl="4"/>
             <a:r>
-              <a:rPr lang="fr-FR" dirty="0" smtClean="0"/>
+              <a:rPr lang="fr-FR" dirty="0"/>
               <a:t>Cinquième niveau</a:t>
             </a:r>
-            <a:endParaRPr lang="fr-FR" dirty="0"/>
           </a:p>
         </p:txBody>
       </p:sp>
@@ -2879,10 +2731,9 @@
           </a:lstStyle>
           <a:p>
             <a:r>
-              <a:rPr lang="fr-FR" dirty="0" smtClean="0"/>
+              <a:rPr lang="fr-FR" dirty="0"/>
               <a:t>Cliquez et modifiez le titre</a:t>
             </a:r>
-            <a:endParaRPr lang="fr-FR" dirty="0"/>
           </a:p>
         </p:txBody>
       </p:sp>
@@ -2943,7 +2794,7 @@
           <a:p>
             <a:fld id="{A81C4219-47FF-4375-968D-EABA4A212953}" type="datetime4">
               <a:rPr lang="fr-FR" smtClean="0"/>
-              <a:t>24 mai 2019</a:t>
+              <a:t>27 mai 2019</a:t>
             </a:fld>
             <a:endParaRPr lang="fr-FR" dirty="0"/>
           </a:p>
@@ -2981,10 +2832,9 @@
           </a:lstStyle>
           <a:p>
             <a:r>
-              <a:rPr lang="fr-FR" smtClean="0"/>
+              <a:rPr lang="fr-FR"/>
               <a:t>DIU NSI</a:t>
             </a:r>
-            <a:endParaRPr lang="fr-FR"/>
           </a:p>
         </p:txBody>
       </p:sp>
@@ -3022,7 +2872,7 @@
             <a:fld id="{DCE37727-CC04-7A46-938D-2CCFF056F773}" type="slidenum">
               <a:rPr lang="fr-FR" smtClean="0"/>
               <a:pPr/>
-              <a:t>‹N°›</a:t>
+              <a:t>‹#›</a:t>
             </a:fld>
             <a:endParaRPr lang="fr-FR"/>
           </a:p>
@@ -3070,13 +2920,6 @@
   <p:clrMapOvr>
     <a:masterClrMapping/>
   </p:clrMapOvr>
-  <p:timing>
-    <p:tnLst>
-      <p:par>
-        <p:cTn id="1" dur="indefinite" restart="never" nodeType="tmRoot"/>
-      </p:par>
-    </p:tnLst>
-  </p:timing>
 </p:sldLayout>
 </file>
 
@@ -3164,18 +3007,13 @@
           <a:lstStyle/>
           <a:p>
             <a:r>
-              <a:rPr lang="fr-FR" sz="3200" dirty="0" smtClean="0">
+              <a:rPr lang="fr-FR" sz="3200" dirty="0">
                 <a:solidFill>
                   <a:srgbClr val="009DE0"/>
                 </a:solidFill>
               </a:rPr>
               <a:t>Chapitre 2</a:t>
             </a:r>
-            <a:endParaRPr lang="fr-FR" sz="3200" dirty="0">
-              <a:solidFill>
-                <a:srgbClr val="009DE0"/>
-              </a:solidFill>
-            </a:endParaRPr>
           </a:p>
         </p:txBody>
       </p:sp>
@@ -3271,13 +3109,6 @@
   <p:clrMapOvr>
     <a:masterClrMapping/>
   </p:clrMapOvr>
-  <p:timing>
-    <p:tnLst>
-      <p:par>
-        <p:cTn id="1" dur="indefinite" restart="never" nodeType="tmRoot"/>
-      </p:par>
-    </p:tnLst>
-  </p:timing>
 </p:sldLayout>
 </file>
 
@@ -3733,7 +3564,7 @@
               <a:t> </a:t>
             </a:r>
             <a:r>
-              <a:rPr lang="fr-FR" baseline="30000" dirty="0" err="1" smtClean="0">
+              <a:rPr lang="fr-FR" baseline="30000" dirty="0" err="1">
                 <a:solidFill>
                   <a:srgbClr val="FFFFFF"/>
                 </a:solidFill>
@@ -3945,18 +3776,13 @@
               <a:buNone/>
             </a:pPr>
             <a:r>
-              <a:rPr lang="fr-FR" sz="1200" b="1" dirty="0" smtClean="0">
+              <a:rPr lang="fr-FR" sz="1200" b="1" dirty="0">
                 <a:solidFill>
                   <a:schemeClr val="accent1"/>
                 </a:solidFill>
               </a:rPr>
               <a:t>titre</a:t>
             </a:r>
-            <a:endParaRPr lang="fr-FR" sz="1200" b="1" dirty="0">
-              <a:solidFill>
-                <a:schemeClr val="accent1"/>
-              </a:solidFill>
-            </a:endParaRPr>
           </a:p>
         </p:txBody>
       </p:sp>
@@ -4155,7 +3981,7 @@
               <a:buNone/>
             </a:pPr>
             <a:r>
-              <a:rPr lang="fr-FR" sz="1200" b="1" smtClean="0">
+              <a:rPr lang="fr-FR" sz="1200" b="1">
                 <a:solidFill>
                   <a:srgbClr val="FFFFFF"/>
                 </a:solidFill>
@@ -4216,18 +4042,17 @@
               <a:rPr lang="fr-FR" sz="3200" b="1" baseline="30000" dirty="0"/>
               <a:t> et </a:t>
             </a:r>
-            <a:endParaRPr lang="fr-FR" sz="3200" b="1" baseline="30000" dirty="0" smtClean="0"/>
           </a:p>
           <a:p>
             <a:pPr>
               <a:buSzPct val="90000"/>
             </a:pPr>
             <a:r>
-              <a:rPr lang="fr-FR" sz="2400" b="1" baseline="30000" dirty="0" err="1" smtClean="0"/>
+              <a:rPr lang="fr-FR" sz="2400" b="1" baseline="30000" dirty="0" err="1"/>
               <a:t>excerferum</a:t>
             </a:r>
             <a:r>
-              <a:rPr lang="fr-FR" sz="2400" b="1" baseline="30000" dirty="0" smtClean="0"/>
+              <a:rPr lang="fr-FR" sz="2400" b="1" baseline="30000" dirty="0"/>
               <a:t> </a:t>
             </a:r>
             <a:r>
@@ -4489,7 +4314,7 @@
               <a:t>, </a:t>
             </a:r>
             <a:r>
-              <a:rPr lang="fr-FR" sz="2400" baseline="30000" dirty="0" err="1" smtClean="0"/>
+              <a:rPr lang="fr-FR" sz="2400" baseline="30000" dirty="0" err="1"/>
               <a:t>iliquo</a:t>
             </a:r>
             <a:endParaRPr lang="fr-FR" sz="2400" baseline="30000" dirty="0"/>
@@ -4504,11 +4329,11 @@
               <a:buChar char="›"/>
             </a:pPr>
             <a:r>
-              <a:rPr lang="fr-FR" sz="2400" baseline="30000" dirty="0" err="1" smtClean="0"/>
+              <a:rPr lang="fr-FR" sz="2400" baseline="30000" dirty="0" err="1"/>
               <a:t>omnis</a:t>
             </a:r>
             <a:r>
-              <a:rPr lang="fr-FR" sz="2400" baseline="30000" dirty="0" smtClean="0"/>
+              <a:rPr lang="fr-FR" sz="2400" baseline="30000" dirty="0"/>
               <a:t> </a:t>
             </a:r>
             <a:r>
@@ -4592,71 +4417,71 @@
               <a:t> </a:t>
             </a:r>
             <a:r>
-              <a:rPr lang="fr-FR" sz="2400" baseline="30000" dirty="0" err="1" smtClean="0"/>
+              <a:rPr lang="fr-FR" sz="2400" baseline="30000" dirty="0" err="1"/>
               <a:t>iliciae</a:t>
             </a:r>
             <a:r>
-              <a:rPr lang="fr-FR" sz="2400" baseline="30000" dirty="0" smtClean="0"/>
+              <a:rPr lang="fr-FR" sz="2400" baseline="30000" dirty="0"/>
               <a:t> </a:t>
             </a:r>
             <a:r>
-              <a:rPr lang="fr-FR" sz="2400" baseline="30000" dirty="0" err="1" smtClean="0"/>
+              <a:rPr lang="fr-FR" sz="2400" baseline="30000" dirty="0" err="1"/>
               <a:t>cepernat</a:t>
             </a:r>
             <a:r>
-              <a:rPr lang="fr-FR" sz="2400" baseline="30000" dirty="0" smtClean="0"/>
+              <a:rPr lang="fr-FR" sz="2400" baseline="30000" dirty="0"/>
               <a:t> </a:t>
             </a:r>
             <a:r>
-              <a:rPr lang="fr-FR" sz="2400" baseline="30000" dirty="0" err="1" smtClean="0"/>
+              <a:rPr lang="fr-FR" sz="2400" baseline="30000" dirty="0" err="1"/>
               <a:t>fugitas</a:t>
             </a:r>
             <a:r>
-              <a:rPr lang="fr-FR" sz="2400" baseline="30000" dirty="0" smtClean="0"/>
+              <a:rPr lang="fr-FR" sz="2400" baseline="30000" dirty="0"/>
               <a:t> sa </a:t>
             </a:r>
             <a:r>
-              <a:rPr lang="fr-FR" sz="2400" baseline="30000" dirty="0" err="1" smtClean="0"/>
+              <a:rPr lang="fr-FR" sz="2400" baseline="30000" dirty="0" err="1"/>
               <a:t>conse</a:t>
             </a:r>
             <a:r>
-              <a:rPr lang="fr-FR" sz="2400" baseline="30000" dirty="0" smtClean="0"/>
+              <a:rPr lang="fr-FR" sz="2400" baseline="30000" dirty="0"/>
               <a:t> </a:t>
             </a:r>
             <a:r>
-              <a:rPr lang="fr-FR" sz="2400" baseline="30000" dirty="0" err="1" smtClean="0"/>
+              <a:rPr lang="fr-FR" sz="2400" baseline="30000" dirty="0" err="1"/>
               <a:t>molo</a:t>
             </a:r>
             <a:r>
-              <a:rPr lang="fr-FR" sz="2400" baseline="30000" dirty="0" smtClean="0"/>
+              <a:rPr lang="fr-FR" sz="2400" baseline="30000" dirty="0"/>
               <a:t> </a:t>
             </a:r>
             <a:r>
-              <a:rPr lang="fr-FR" sz="2400" baseline="30000" dirty="0" err="1" smtClean="0"/>
+              <a:rPr lang="fr-FR" sz="2400" baseline="30000" dirty="0" err="1"/>
               <a:t>modi</a:t>
             </a:r>
             <a:r>
-              <a:rPr lang="fr-FR" sz="2400" baseline="30000" dirty="0" smtClean="0"/>
+              <a:rPr lang="fr-FR" sz="2400" baseline="30000" dirty="0"/>
               <a:t> </a:t>
             </a:r>
             <a:r>
-              <a:rPr lang="fr-FR" sz="2400" baseline="30000" dirty="0" err="1" smtClean="0"/>
+              <a:rPr lang="fr-FR" sz="2400" baseline="30000" dirty="0" err="1"/>
               <a:t>berecti</a:t>
             </a:r>
             <a:r>
-              <a:rPr lang="fr-FR" sz="2400" baseline="30000" dirty="0" smtClean="0"/>
+              <a:rPr lang="fr-FR" sz="2400" baseline="30000" dirty="0"/>
               <a:t> tem </a:t>
             </a:r>
             <a:r>
-              <a:rPr lang="fr-FR" sz="2400" baseline="30000" dirty="0" err="1" smtClean="0"/>
+              <a:rPr lang="fr-FR" sz="2400" baseline="30000" dirty="0" err="1"/>
               <a:t>ius</a:t>
             </a:r>
             <a:r>
-              <a:rPr lang="fr-FR" sz="2400" baseline="30000" dirty="0" smtClean="0"/>
+              <a:rPr lang="fr-FR" sz="2400" baseline="30000" dirty="0"/>
               <a:t>, officie </a:t>
             </a:r>
             <a:r>
-              <a:rPr lang="fr-FR" sz="2400" baseline="30000" dirty="0" err="1" smtClean="0"/>
+              <a:rPr lang="fr-FR" sz="2400" baseline="30000" dirty="0" err="1"/>
               <a:t>ndiscipsam</a:t>
             </a:r>
             <a:endParaRPr lang="fr-FR" sz="2400" i="1" dirty="0"/>
@@ -4742,10 +4567,9 @@
           </a:lstStyle>
           <a:p>
             <a:r>
-              <a:rPr lang="fr-FR" dirty="0" smtClean="0"/>
+              <a:rPr lang="fr-FR" dirty="0"/>
               <a:t>Cliquez et modifiez le titre</a:t>
             </a:r>
-            <a:endParaRPr lang="fr-FR" dirty="0"/>
           </a:p>
         </p:txBody>
       </p:sp>
@@ -4806,7 +4630,7 @@
           <a:p>
             <a:fld id="{81E3CCF4-D669-4BB6-B0BE-EE495E88AE6B}" type="datetime4">
               <a:rPr lang="fr-FR" smtClean="0"/>
-              <a:t>24 mai 2019</a:t>
+              <a:t>27 mai 2019</a:t>
             </a:fld>
             <a:endParaRPr lang="fr-FR" dirty="0"/>
           </a:p>
@@ -4844,10 +4668,9 @@
           </a:lstStyle>
           <a:p>
             <a:r>
-              <a:rPr lang="fr-FR" smtClean="0"/>
+              <a:rPr lang="fr-FR"/>
               <a:t>DIU NSI</a:t>
             </a:r>
-            <a:endParaRPr lang="fr-FR"/>
           </a:p>
         </p:txBody>
       </p:sp>
@@ -4885,7 +4708,7 @@
             <a:fld id="{DCE37727-CC04-7A46-938D-2CCFF056F773}" type="slidenum">
               <a:rPr lang="fr-FR" smtClean="0"/>
               <a:pPr/>
-              <a:t>‹N°›</a:t>
+              <a:t>‹#›</a:t>
             </a:fld>
             <a:endParaRPr lang="fr-FR"/>
           </a:p>
@@ -5118,18 +4941,13 @@
               <a:buNone/>
             </a:pPr>
             <a:r>
-              <a:rPr lang="fr-FR" sz="1200" b="1" dirty="0" smtClean="0">
+              <a:rPr lang="fr-FR" sz="1200" b="1" dirty="0">
                 <a:solidFill>
                   <a:srgbClr val="FFFFFF"/>
                 </a:solidFill>
               </a:rPr>
               <a:t>titre</a:t>
             </a:r>
-            <a:endParaRPr lang="fr-FR" sz="1200" b="1" dirty="0">
-              <a:solidFill>
-                <a:srgbClr val="FFFFFF"/>
-              </a:solidFill>
-            </a:endParaRPr>
           </a:p>
         </p:txBody>
       </p:sp>
@@ -5143,13 +4961,6 @@
   <p:clrMapOvr>
     <a:masterClrMapping/>
   </p:clrMapOvr>
-  <p:timing>
-    <p:tnLst>
-      <p:par>
-        <p:cTn id="1" dur="indefinite" restart="never" nodeType="tmRoot"/>
-      </p:par>
-    </p:tnLst>
-  </p:timing>
 </p:sldLayout>
 </file>
 
@@ -5240,15 +5051,15 @@
               <a:tabLst/>
             </a:pPr>
             <a:r>
-              <a:rPr lang="fr-FR" sz="2800" b="1" i="0" baseline="30000" dirty="0" err="1" smtClean="0"/>
+              <a:rPr lang="fr-FR" sz="2800" b="1" i="0" baseline="30000" dirty="0" err="1"/>
               <a:t>excerferum</a:t>
             </a:r>
             <a:r>
-              <a:rPr lang="fr-FR" sz="2800" b="1" i="0" baseline="30000" dirty="0" smtClean="0"/>
+              <a:rPr lang="fr-FR" sz="2800" b="1" i="0" baseline="30000" dirty="0"/>
               <a:t> </a:t>
             </a:r>
             <a:r>
-              <a:rPr lang="fr-FR" sz="2800" b="1" i="0" baseline="30000" dirty="0" err="1" smtClean="0"/>
+              <a:rPr lang="fr-FR" sz="2800" b="1" i="0" baseline="30000" dirty="0" err="1"/>
               <a:t>nuscien</a:t>
             </a:r>
             <a:endParaRPr lang="fr-FR" sz="2800" b="1" i="0" baseline="30000" dirty="0"/>
@@ -5267,11 +5078,11 @@
               <a:tabLst/>
             </a:pPr>
             <a:r>
-              <a:rPr lang="fr-FR" sz="2800" b="1" i="0" baseline="30000" dirty="0" err="1" smtClean="0"/>
+              <a:rPr lang="fr-FR" sz="2800" b="1" i="0" baseline="30000" dirty="0" err="1"/>
               <a:t>ditione</a:t>
             </a:r>
             <a:r>
-              <a:rPr lang="fr-FR" sz="2800" b="1" i="0" baseline="30000" dirty="0" smtClean="0"/>
+              <a:rPr lang="fr-FR" sz="2800" b="1" i="0" baseline="30000" dirty="0"/>
               <a:t> </a:t>
             </a:r>
             <a:r>
@@ -5314,7 +5125,6 @@
               <a:rPr lang="fr-FR" sz="2800" b="1" i="0" baseline="30000" dirty="0"/>
               <a:t> doles </a:t>
             </a:r>
-            <a:endParaRPr lang="fr-FR" sz="2800" b="1" i="0" baseline="30000" dirty="0" smtClean="0"/>
           </a:p>
           <a:p>
             <a:pPr marL="355600" indent="-355600" defTabSz="541338">
@@ -5330,16 +5140,12 @@
               <a:tabLst/>
             </a:pPr>
             <a:r>
-              <a:rPr lang="fr-FR" sz="2800" b="1" i="0" baseline="30000" dirty="0" err="1" smtClean="0"/>
+              <a:rPr lang="fr-FR" sz="2800" b="1" i="0" baseline="30000" dirty="0" err="1"/>
               <a:t>erro</a:t>
             </a:r>
             <a:r>
-              <a:rPr lang="fr-FR" sz="2800" b="1" i="0" baseline="30000" dirty="0" smtClean="0"/>
-              <a:t> </a:t>
-            </a:r>
-            <a:r>
               <a:rPr lang="fr-FR" sz="2800" b="1" i="0" baseline="30000" dirty="0"/>
-              <a:t>te sa </a:t>
+              <a:t> te sa </a:t>
             </a:r>
             <a:r>
               <a:rPr lang="fr-FR" sz="2800" b="1" i="0" baseline="30000" dirty="0" err="1"/>
@@ -5374,10 +5180,10 @@
               <a:t> </a:t>
             </a:r>
             <a:r>
-              <a:rPr lang="fr-FR" sz="2800" b="1" i="0" baseline="30000" dirty="0" err="1" smtClean="0"/>
+              <a:rPr lang="fr-FR" sz="2800" b="1" i="0" baseline="30000" dirty="0" err="1"/>
               <a:t>eicipsa</a:t>
             </a:r>
-            <a:endParaRPr lang="fr-FR" sz="2800" b="1" i="0" baseline="30000" dirty="0" smtClean="0"/>
+            <a:endParaRPr lang="fr-FR" sz="2800" b="1" i="0" baseline="30000" dirty="0"/>
           </a:p>
           <a:p>
             <a:pPr marL="355600" indent="-355600" defTabSz="541338">
@@ -5393,19 +5199,15 @@
               <a:tabLst/>
             </a:pPr>
             <a:r>
-              <a:rPr lang="fr-FR" sz="2800" b="1" i="0" baseline="30000" dirty="0" err="1" smtClean="0"/>
+              <a:rPr lang="fr-FR" sz="2800" b="1" i="0" baseline="30000" dirty="0" err="1"/>
               <a:t>pelesequod</a:t>
             </a:r>
             <a:r>
-              <a:rPr lang="fr-FR" sz="2800" b="1" i="0" baseline="30000" dirty="0" smtClean="0"/>
-              <a:t> </a:t>
-            </a:r>
-            <a:r>
               <a:rPr lang="fr-FR" sz="2800" b="1" i="0" baseline="30000" dirty="0"/>
-              <a:t>que cum </a:t>
-            </a:r>
-            <a:r>
-              <a:rPr lang="fr-FR" sz="2800" b="1" i="0" baseline="30000" dirty="0" err="1" smtClean="0"/>
+              <a:t> que cum </a:t>
+            </a:r>
+            <a:r>
+              <a:rPr lang="fr-FR" sz="2800" b="1" i="0" baseline="30000" dirty="0" err="1"/>
               <a:t>hicieni</a:t>
             </a:r>
             <a:endParaRPr lang="fr-FR" sz="2800" b="1" i="0" dirty="0"/>
@@ -5607,7 +5409,7 @@
               <a:buNone/>
             </a:pPr>
             <a:r>
-              <a:rPr lang="fr-FR" sz="1800" b="1" smtClean="0">
+              <a:rPr lang="fr-FR" sz="1800" b="1">
                 <a:solidFill>
                   <a:srgbClr val="FFFFFF"/>
                 </a:solidFill>
@@ -5725,10 +5527,9 @@
           </a:lstStyle>
           <a:p>
             <a:r>
-              <a:rPr lang="fr-FR" dirty="0" smtClean="0"/>
+              <a:rPr lang="fr-FR" dirty="0"/>
               <a:t>Cliquez et modifiez le titre</a:t>
             </a:r>
-            <a:endParaRPr lang="fr-FR" dirty="0"/>
           </a:p>
         </p:txBody>
       </p:sp>
@@ -5765,7 +5566,7 @@
           <a:p>
             <a:fld id="{2E52B8B1-858B-4633-AE57-5B6CA9292F2B}" type="datetime4">
               <a:rPr lang="fr-FR" smtClean="0"/>
-              <a:t>24 mai 2019</a:t>
+              <a:t>27 mai 2019</a:t>
             </a:fld>
             <a:endParaRPr lang="fr-FR" dirty="0"/>
           </a:p>
@@ -5803,10 +5604,9 @@
           </a:lstStyle>
           <a:p>
             <a:r>
-              <a:rPr lang="fr-FR" smtClean="0"/>
+              <a:rPr lang="fr-FR"/>
               <a:t>DIU NSI</a:t>
             </a:r>
-            <a:endParaRPr lang="fr-FR"/>
           </a:p>
         </p:txBody>
       </p:sp>
@@ -5844,7 +5644,7 @@
             <a:fld id="{DCE37727-CC04-7A46-938D-2CCFF056F773}" type="slidenum">
               <a:rPr lang="fr-FR" smtClean="0"/>
               <a:pPr/>
-              <a:t>‹N°›</a:t>
+              <a:t>‹#›</a:t>
             </a:fld>
             <a:endParaRPr lang="fr-FR"/>
           </a:p>
@@ -5892,13 +5692,6 @@
   <p:clrMapOvr>
     <a:masterClrMapping/>
   </p:clrMapOvr>
-  <p:timing>
-    <p:tnLst>
-      <p:par>
-        <p:cTn id="1" dur="indefinite" restart="never" nodeType="tmRoot"/>
-      </p:par>
-    </p:tnLst>
-  </p:timing>
 </p:sldLayout>
 </file>
 
@@ -5950,10 +5743,9 @@
           <a:lstStyle/>
           <a:p>
             <a:r>
-              <a:rPr lang="fr-FR" smtClean="0"/>
+              <a:rPr lang="fr-FR"/>
               <a:t>Cliquez et modifiez le titre</a:t>
             </a:r>
-            <a:endParaRPr lang="fr-FR"/>
           </a:p>
         </p:txBody>
       </p:sp>
@@ -5984,38 +5776,37 @@
           <a:p>
             <a:pPr lvl="0"/>
             <a:r>
-              <a:rPr lang="fr-FR" dirty="0" smtClean="0"/>
+              <a:rPr lang="fr-FR" dirty="0"/>
               <a:t>Cliquez pour modifier les styles du texte du masque</a:t>
             </a:r>
           </a:p>
           <a:p>
             <a:pPr lvl="1"/>
             <a:r>
-              <a:rPr lang="fr-FR" dirty="0" smtClean="0"/>
+              <a:rPr lang="fr-FR" dirty="0"/>
               <a:t>Deuxième niveau</a:t>
             </a:r>
           </a:p>
           <a:p>
             <a:pPr lvl="2"/>
             <a:r>
-              <a:rPr lang="fr-FR" dirty="0" smtClean="0"/>
+              <a:rPr lang="fr-FR" dirty="0"/>
               <a:t>Troisième niveau</a:t>
             </a:r>
           </a:p>
           <a:p>
             <a:pPr lvl="3"/>
             <a:r>
-              <a:rPr lang="fr-FR" dirty="0" smtClean="0"/>
+              <a:rPr lang="fr-FR" dirty="0"/>
               <a:t>Quatrième niveau</a:t>
             </a:r>
           </a:p>
           <a:p>
             <a:pPr lvl="4"/>
             <a:r>
-              <a:rPr lang="fr-FR" dirty="0" smtClean="0"/>
+              <a:rPr lang="fr-FR" dirty="0"/>
               <a:t>Cinquième niveau</a:t>
             </a:r>
-            <a:endParaRPr lang="fr-FR" dirty="0"/>
           </a:p>
         </p:txBody>
       </p:sp>
@@ -6036,13 +5827,6 @@
     <p:sldLayoutId id="2147483655" r:id="rId6"/>
     <p:sldLayoutId id="2147483656" r:id="rId7"/>
   </p:sldLayoutIdLst>
-  <p:timing>
-    <p:tnLst>
-      <p:par>
-        <p:cTn id="1" dur="indefinite" restart="never" nodeType="tmRoot"/>
-      </p:par>
-    </p:tnLst>
-  </p:timing>
   <p:hf hdr="0"/>
   <p:txStyles>
     <p:titleStyle>
@@ -6342,13 +6126,6 @@
   <p:transition spd="slow">
     <p:wipe/>
   </p:transition>
-  <p:timing>
-    <p:tnLst>
-      <p:par>
-        <p:cTn id="1" dur="indefinite" restart="never" nodeType="tmRoot"/>
-      </p:par>
-    </p:tnLst>
-  </p:timing>
 </p:sld>
 </file>
 
@@ -6385,10 +6162,9 @@
           <a:lstStyle/>
           <a:p>
             <a:r>
-              <a:rPr lang="fr-FR" dirty="0" smtClean="0"/>
+              <a:rPr lang="fr-FR" dirty="0"/>
               <a:t>HTML</a:t>
             </a:r>
-            <a:endParaRPr lang="fr-FR" dirty="0"/>
           </a:p>
         </p:txBody>
       </p:sp>
@@ -6408,10 +6184,9 @@
           <a:lstStyle/>
           <a:p>
             <a:r>
-              <a:rPr lang="fr-FR" dirty="0" smtClean="0"/>
+              <a:rPr lang="fr-FR" dirty="0"/>
               <a:t>Bloc 1</a:t>
             </a:r>
-            <a:endParaRPr lang="fr-FR" dirty="0"/>
           </a:p>
         </p:txBody>
       </p:sp>
@@ -6428,13 +6203,6 @@
   <p:transition spd="slow">
     <p:wipe/>
   </p:transition>
-  <p:timing>
-    <p:tnLst>
-      <p:par>
-        <p:cTn id="1" dur="indefinite" restart="never" nodeType="tmRoot"/>
-      </p:par>
-    </p:tnLst>
-  </p:timing>
 </p:sld>
 </file>
 
@@ -6471,7 +6239,7 @@
           <a:lstStyle/>
           <a:p>
             <a:r>
-              <a:rPr lang="fr-FR" b="1" dirty="0" smtClean="0"/>
+              <a:rPr lang="fr-FR" b="1" dirty="0"/>
               <a:t>Langage pour les pages web</a:t>
             </a:r>
             <a:endParaRPr lang="fr-FR" dirty="0"/>
@@ -6493,106 +6261,177 @@
           <a:bodyPr/>
           <a:lstStyle/>
           <a:p>
-            <a:r>
-              <a:rPr lang="fr-FR" dirty="0" smtClean="0"/>
-              <a:t>HyperText </a:t>
-            </a:r>
-            <a:r>
-              <a:rPr lang="fr-FR" dirty="0" err="1" smtClean="0"/>
-              <a:t>Markup</a:t>
-            </a:r>
-            <a:r>
-              <a:rPr lang="fr-FR" dirty="0" smtClean="0"/>
+            <a:pPr marL="400050" indent="-400050"/>
+            <a:r>
+              <a:rPr lang="fr-FR" sz="2400" b="1" dirty="0"/>
+              <a:t>H</a:t>
+            </a:r>
+            <a:r>
+              <a:rPr lang="fr-FR" sz="2400" dirty="0"/>
+              <a:t>yper</a:t>
+            </a:r>
+            <a:r>
+              <a:rPr lang="fr-FR" sz="2400" b="1" dirty="0"/>
+              <a:t>T</a:t>
+            </a:r>
+            <a:r>
+              <a:rPr lang="fr-FR" sz="2400" dirty="0"/>
+              <a:t>ext </a:t>
+            </a:r>
+            <a:r>
+              <a:rPr lang="fr-FR" sz="2400" b="1" dirty="0" err="1"/>
+              <a:t>M</a:t>
+            </a:r>
+            <a:r>
+              <a:rPr lang="fr-FR" sz="2400" dirty="0" err="1"/>
+              <a:t>arkup</a:t>
+            </a:r>
+            <a:r>
+              <a:rPr lang="fr-FR" sz="2400" dirty="0"/>
               <a:t> </a:t>
             </a:r>
             <a:r>
-              <a:rPr lang="fr-FR" dirty="0" err="1" smtClean="0"/>
-              <a:t>Language</a:t>
-            </a:r>
-            <a:r>
-              <a:rPr lang="fr-FR" dirty="0" smtClean="0"/>
+              <a:rPr lang="fr-FR" sz="2400" b="1" dirty="0" err="1"/>
+              <a:t>L</a:t>
+            </a:r>
+            <a:r>
+              <a:rPr lang="fr-FR" sz="2400" dirty="0" err="1"/>
+              <a:t>anguage</a:t>
+            </a:r>
+            <a:r>
+              <a:rPr lang="fr-FR" sz="2400" dirty="0"/>
               <a:t> </a:t>
             </a:r>
           </a:p>
           <a:p>
             <a:pPr lvl="1"/>
             <a:r>
-              <a:rPr lang="fr-FR" dirty="0" smtClean="0"/>
+              <a:rPr lang="fr-FR" sz="2000" dirty="0"/>
               <a:t>1989 (début), 1993 (v1), 2007 (v5)</a:t>
             </a:r>
           </a:p>
           <a:p>
-            <a:r>
-              <a:rPr lang="fr-FR" dirty="0" smtClean="0"/>
-              <a:t>Langage à Balises</a:t>
+            <a:pPr marL="400050" indent="-400050">
+              <a:lnSpc>
+                <a:spcPct val="150000"/>
+              </a:lnSpc>
+            </a:pPr>
+            <a:r>
+              <a:rPr lang="fr-FR" sz="2400" dirty="0"/>
+              <a:t>Langage à </a:t>
+            </a:r>
+            <a:r>
+              <a:rPr lang="fr-FR" sz="2400" b="1" dirty="0"/>
+              <a:t>balises</a:t>
             </a:r>
           </a:p>
           <a:p>
             <a:pPr lvl="1"/>
             <a:r>
-              <a:rPr lang="fr-FR" dirty="0" smtClean="0"/>
+              <a:rPr lang="fr-FR" sz="2000" dirty="0">
+                <a:latin typeface="Source Code Pro" panose="020B0509030403020204" pitchFamily="49" charset="0"/>
+                <a:ea typeface="Source Code Pro" panose="020B0509030403020204" pitchFamily="49" charset="0"/>
+              </a:rPr>
               <a:t>&lt;</a:t>
             </a:r>
             <a:r>
-              <a:rPr lang="fr-FR" dirty="0" err="1" smtClean="0"/>
+              <a:rPr lang="fr-FR" sz="2000" dirty="0" err="1">
+                <a:latin typeface="Source Code Pro" panose="020B0509030403020204" pitchFamily="49" charset="0"/>
+                <a:ea typeface="Source Code Pro" panose="020B0509030403020204" pitchFamily="49" charset="0"/>
+              </a:rPr>
               <a:t>nomBalise</a:t>
             </a:r>
             <a:r>
-              <a:rPr lang="fr-FR" dirty="0" smtClean="0"/>
+              <a:rPr lang="fr-FR" sz="2000" dirty="0">
+                <a:latin typeface="Source Code Pro" panose="020B0509030403020204" pitchFamily="49" charset="0"/>
+                <a:ea typeface="Source Code Pro" panose="020B0509030403020204" pitchFamily="49" charset="0"/>
+              </a:rPr>
               <a:t>&gt;&lt;/</a:t>
             </a:r>
             <a:r>
-              <a:rPr lang="fr-FR" dirty="0" err="1" smtClean="0"/>
+              <a:rPr lang="fr-FR" sz="2000" dirty="0" err="1">
+                <a:latin typeface="Source Code Pro" panose="020B0509030403020204" pitchFamily="49" charset="0"/>
+                <a:ea typeface="Source Code Pro" panose="020B0509030403020204" pitchFamily="49" charset="0"/>
+              </a:rPr>
               <a:t>nomBalise</a:t>
             </a:r>
             <a:r>
-              <a:rPr lang="fr-FR" dirty="0" smtClean="0"/>
+              <a:rPr lang="fr-FR" sz="2000" dirty="0">
+                <a:latin typeface="Source Code Pro" panose="020B0509030403020204" pitchFamily="49" charset="0"/>
+                <a:ea typeface="Source Code Pro" panose="020B0509030403020204" pitchFamily="49" charset="0"/>
+              </a:rPr>
               <a:t>&gt;</a:t>
             </a:r>
           </a:p>
           <a:p>
-            <a:r>
-              <a:rPr lang="fr-FR" dirty="0" smtClean="0"/>
-              <a:t>Visualisé par un navigateur</a:t>
+            <a:pPr marL="400050" indent="-400050">
+              <a:lnSpc>
+                <a:spcPct val="150000"/>
+              </a:lnSpc>
+            </a:pPr>
+            <a:r>
+              <a:rPr lang="fr-FR" sz="2400" dirty="0"/>
+              <a:t>Visualisé par un </a:t>
+            </a:r>
+            <a:r>
+              <a:rPr lang="fr-FR" sz="2400" b="1" dirty="0"/>
+              <a:t>navigateur</a:t>
             </a:r>
           </a:p>
           <a:p>
             <a:pPr lvl="1"/>
             <a:r>
-              <a:rPr lang="fr-FR" dirty="0" smtClean="0"/>
-              <a:t>Chrome, Safari, etc.</a:t>
-            </a:r>
-          </a:p>
-          <a:p>
-            <a:r>
-              <a:rPr lang="fr-FR" dirty="0" smtClean="0"/>
-              <a:t>Contenu et Structuration de l’information</a:t>
+              <a:rPr lang="fr-FR" sz="2000" dirty="0"/>
+              <a:t>Chrome, Firefox, Safari, etc.</a:t>
+            </a:r>
+          </a:p>
+          <a:p>
+            <a:pPr marL="400050" indent="-400050">
+              <a:lnSpc>
+                <a:spcPct val="150000"/>
+              </a:lnSpc>
+            </a:pPr>
+            <a:r>
+              <a:rPr lang="fr-FR" sz="2400" b="1" dirty="0"/>
+              <a:t>Contenu</a:t>
+            </a:r>
+            <a:r>
+              <a:rPr lang="fr-FR" sz="2400" dirty="0"/>
+              <a:t> et </a:t>
+            </a:r>
+            <a:r>
+              <a:rPr lang="fr-FR" sz="2400" b="1" dirty="0"/>
+              <a:t>structuration</a:t>
+            </a:r>
+            <a:r>
+              <a:rPr lang="fr-FR" sz="2400" dirty="0"/>
+              <a:t> de l’information</a:t>
             </a:r>
           </a:p>
           <a:p>
             <a:pPr lvl="1"/>
             <a:r>
-              <a:rPr lang="fr-FR" dirty="0" smtClean="0"/>
-              <a:t>Forme en CSS, dynamique en JavaScript</a:t>
-            </a:r>
-          </a:p>
-          <a:p>
-            <a:r>
-              <a:rPr lang="fr-FR" dirty="0" smtClean="0"/>
-              <a:t>Fichier *.html</a:t>
+              <a:rPr lang="fr-FR" sz="2000" dirty="0"/>
+              <a:t>forme en CSS, dynamique en JavaScript</a:t>
+            </a:r>
+          </a:p>
+          <a:p>
+            <a:pPr marL="444500" indent="-444500">
+              <a:lnSpc>
+                <a:spcPct val="150000"/>
+              </a:lnSpc>
+            </a:pPr>
+            <a:r>
+              <a:rPr lang="fr-FR" sz="2400" b="1" dirty="0"/>
+              <a:t>Fichiers *.html</a:t>
             </a:r>
           </a:p>
           <a:p>
             <a:pPr lvl="1"/>
             <a:r>
-              <a:rPr lang="fr-FR" dirty="0"/>
-              <a:t>i</a:t>
-            </a:r>
-            <a:r>
-              <a:rPr lang="fr-FR" dirty="0" smtClean="0"/>
-              <a:t>ndex.html</a:t>
-            </a:r>
-            <a:endParaRPr lang="fr-FR" dirty="0"/>
+              <a:rPr lang="fr-FR" sz="2000" dirty="0"/>
+              <a:t>index.html</a:t>
+            </a:r>
           </a:p>
         </p:txBody>
       </p:sp>
@@ -6613,7 +6452,7 @@
           <a:p>
             <a:fld id="{1AC11C67-BE04-4C5F-B0EE-E01220C9093A}" type="datetime4">
               <a:rPr lang="fr-FR" smtClean="0"/>
-              <a:t>24 mai 2019</a:t>
+              <a:t>27 mai 2019</a:t>
             </a:fld>
             <a:endParaRPr lang="fr-FR" dirty="0"/>
           </a:p>
@@ -6635,10 +6474,9 @@
           <a:lstStyle/>
           <a:p>
             <a:r>
-              <a:rPr lang="fr-FR" dirty="0" smtClean="0"/>
+              <a:rPr lang="fr-FR" dirty="0"/>
               <a:t>DIU NSI</a:t>
             </a:r>
-            <a:endParaRPr lang="fr-FR" dirty="0"/>
           </a:p>
         </p:txBody>
       </p:sp>
@@ -6679,13 +6517,6 @@
   <p:transition spd="slow">
     <p:wipe/>
   </p:transition>
-  <p:timing>
-    <p:tnLst>
-      <p:par>
-        <p:cTn id="1" dur="indefinite" restart="never" nodeType="tmRoot"/>
-      </p:par>
-    </p:tnLst>
-  </p:timing>
 </p:sld>
 </file>
 
@@ -6746,7 +6577,7 @@
           <a:p>
             <a:fld id="{1AC11C67-BE04-4C5F-B0EE-E01220C9093A}" type="datetime4">
               <a:rPr lang="fr-FR" smtClean="0"/>
-              <a:t>24 mai 2019</a:t>
+              <a:t>27 mai 2019</a:t>
             </a:fld>
             <a:endParaRPr lang="fr-FR" dirty="0"/>
           </a:p>
@@ -6768,10 +6599,9 @@
           <a:lstStyle/>
           <a:p>
             <a:r>
-              <a:rPr lang="fr-FR" dirty="0" smtClean="0"/>
+              <a:rPr lang="fr-FR" dirty="0"/>
               <a:t>DIU NSI</a:t>
             </a:r>
-            <a:endParaRPr lang="fr-FR" dirty="0"/>
           </a:p>
         </p:txBody>
       </p:sp>
@@ -6799,29 +6629,376 @@
           </a:p>
         </p:txBody>
       </p:sp>
-      <p:pic>
-        <p:nvPicPr>
-          <p:cNvPr id="8" name="Image 7"/>
-          <p:cNvPicPr>
-            <a:picLocks noChangeAspect="1"/>
-          </p:cNvPicPr>
+      <p:sp>
+        <p:nvSpPr>
+          <p:cNvPr id="3" name="Rectangle 2">
+            <a:extLst>
+              <a:ext uri="{FF2B5EF4-FFF2-40B4-BE49-F238E27FC236}">
+                <a16:creationId xmlns:a16="http://schemas.microsoft.com/office/drawing/2014/main" id="{99D6AB73-3556-6845-9EF8-9024C2407A0D}"/>
+              </a:ext>
+            </a:extLst>
+          </p:cNvPr>
+          <p:cNvSpPr/>
           <p:nvPr/>
-        </p:nvPicPr>
-        <p:blipFill rotWithShape="1">
-          <a:blip r:embed="rId3"/>
-          <a:srcRect l="23089" t="18006" r="56801" b="64020"/>
-          <a:stretch/>
-        </p:blipFill>
+        </p:nvSpPr>
         <p:spPr>
           <a:xfrm>
-            <a:off x="1503487" y="1676400"/>
-            <a:ext cx="6793843" cy="3415553"/>
+            <a:off x="1175078" y="1867354"/>
+            <a:ext cx="6793843" cy="3123291"/>
           </a:xfrm>
           <a:prstGeom prst="rect">
             <a:avLst/>
           </a:prstGeom>
+          <a:solidFill>
+            <a:srgbClr val="1E1E1E"/>
+          </a:solidFill>
         </p:spPr>
-      </p:pic>
+        <p:txBody>
+          <a:bodyPr wrap="square">
+            <a:spAutoFit/>
+          </a:bodyPr>
+          <a:lstStyle/>
+          <a:p>
+            <a:pPr>
+              <a:lnSpc>
+                <a:spcPct val="110000"/>
+              </a:lnSpc>
+            </a:pPr>
+            <a:r>
+              <a:rPr lang="fr-FR" dirty="0">
+                <a:solidFill>
+                  <a:srgbClr val="F8F8F2"/>
+                </a:solidFill>
+                <a:latin typeface="Source Code Pro" panose="020B0509030403020204" pitchFamily="49" charset="0"/>
+              </a:rPr>
+              <a:t>&lt;!</a:t>
+            </a:r>
+            <a:r>
+              <a:rPr lang="fr-FR" dirty="0">
+                <a:solidFill>
+                  <a:srgbClr val="569CD6"/>
+                </a:solidFill>
+                <a:latin typeface="Source Code Pro" panose="020B0509030403020204" pitchFamily="49" charset="0"/>
+              </a:rPr>
+              <a:t>DOCTYPE</a:t>
+            </a:r>
+            <a:r>
+              <a:rPr lang="fr-FR" dirty="0">
+                <a:solidFill>
+                  <a:srgbClr val="F8F8F2"/>
+                </a:solidFill>
+                <a:latin typeface="Source Code Pro" panose="020B0509030403020204" pitchFamily="49" charset="0"/>
+              </a:rPr>
+              <a:t> </a:t>
+            </a:r>
+            <a:r>
+              <a:rPr lang="fr-FR" dirty="0">
+                <a:solidFill>
+                  <a:srgbClr val="9CDDFF"/>
+                </a:solidFill>
+                <a:latin typeface="Source Code Pro" panose="020B0509030403020204" pitchFamily="49" charset="0"/>
+              </a:rPr>
+              <a:t>html</a:t>
+            </a:r>
+            <a:r>
+              <a:rPr lang="fr-FR" dirty="0">
+                <a:solidFill>
+                  <a:srgbClr val="F8F8F2"/>
+                </a:solidFill>
+                <a:latin typeface="Source Code Pro" panose="020B0509030403020204" pitchFamily="49" charset="0"/>
+              </a:rPr>
+              <a:t>&gt;</a:t>
+            </a:r>
+          </a:p>
+          <a:p>
+            <a:pPr>
+              <a:lnSpc>
+                <a:spcPct val="110000"/>
+              </a:lnSpc>
+            </a:pPr>
+            <a:r>
+              <a:rPr lang="fr-FR" dirty="0">
+                <a:solidFill>
+                  <a:srgbClr val="F8F8F2"/>
+                </a:solidFill>
+                <a:latin typeface="Source Code Pro" panose="020B0509030403020204" pitchFamily="49" charset="0"/>
+              </a:rPr>
+              <a:t>&lt;</a:t>
+            </a:r>
+            <a:r>
+              <a:rPr lang="fr-FR" dirty="0">
+                <a:solidFill>
+                  <a:srgbClr val="569CD6"/>
+                </a:solidFill>
+                <a:latin typeface="Source Code Pro" panose="020B0509030403020204" pitchFamily="49" charset="0"/>
+              </a:rPr>
+              <a:t>html</a:t>
+            </a:r>
+            <a:r>
+              <a:rPr lang="fr-FR" dirty="0">
+                <a:solidFill>
+                  <a:srgbClr val="F8F8F2"/>
+                </a:solidFill>
+                <a:latin typeface="Source Code Pro" panose="020B0509030403020204" pitchFamily="49" charset="0"/>
+              </a:rPr>
+              <a:t>&gt;</a:t>
+            </a:r>
+          </a:p>
+          <a:p>
+            <a:pPr>
+              <a:lnSpc>
+                <a:spcPct val="110000"/>
+              </a:lnSpc>
+            </a:pPr>
+            <a:r>
+              <a:rPr lang="fr-FR" dirty="0">
+                <a:solidFill>
+                  <a:srgbClr val="F8F8F2"/>
+                </a:solidFill>
+                <a:latin typeface="Source Code Pro" panose="020B0509030403020204" pitchFamily="49" charset="0"/>
+              </a:rPr>
+              <a:t>	&lt;</a:t>
+            </a:r>
+            <a:r>
+              <a:rPr lang="fr-FR" dirty="0" err="1">
+                <a:solidFill>
+                  <a:srgbClr val="569CD6"/>
+                </a:solidFill>
+                <a:latin typeface="Source Code Pro" panose="020B0509030403020204" pitchFamily="49" charset="0"/>
+              </a:rPr>
+              <a:t>head</a:t>
+            </a:r>
+            <a:r>
+              <a:rPr lang="fr-FR" dirty="0">
+                <a:solidFill>
+                  <a:srgbClr val="F8F8F2"/>
+                </a:solidFill>
+                <a:latin typeface="Source Code Pro" panose="020B0509030403020204" pitchFamily="49" charset="0"/>
+              </a:rPr>
+              <a:t>&gt;</a:t>
+            </a:r>
+          </a:p>
+          <a:p>
+            <a:pPr>
+              <a:lnSpc>
+                <a:spcPct val="110000"/>
+              </a:lnSpc>
+            </a:pPr>
+            <a:r>
+              <a:rPr lang="fr-FR" dirty="0">
+                <a:solidFill>
+                  <a:srgbClr val="F8F8F2"/>
+                </a:solidFill>
+                <a:latin typeface="Source Code Pro" panose="020B0509030403020204" pitchFamily="49" charset="0"/>
+              </a:rPr>
+              <a:t>		&lt;</a:t>
+            </a:r>
+            <a:r>
+              <a:rPr lang="fr-FR" dirty="0" err="1">
+                <a:solidFill>
+                  <a:srgbClr val="569CD6"/>
+                </a:solidFill>
+                <a:latin typeface="Source Code Pro" panose="020B0509030403020204" pitchFamily="49" charset="0"/>
+              </a:rPr>
+              <a:t>title</a:t>
+            </a:r>
+            <a:r>
+              <a:rPr lang="fr-FR" dirty="0">
+                <a:solidFill>
+                  <a:srgbClr val="F8F8F2"/>
+                </a:solidFill>
+                <a:latin typeface="Source Code Pro" panose="020B0509030403020204" pitchFamily="49" charset="0"/>
+              </a:rPr>
+              <a:t>&gt;Ma page HTML&lt;/</a:t>
+            </a:r>
+            <a:r>
+              <a:rPr lang="fr-FR" dirty="0" err="1">
+                <a:solidFill>
+                  <a:srgbClr val="569CD6"/>
+                </a:solidFill>
+                <a:latin typeface="Source Code Pro" panose="020B0509030403020204" pitchFamily="49" charset="0"/>
+              </a:rPr>
+              <a:t>title</a:t>
+            </a:r>
+            <a:r>
+              <a:rPr lang="fr-FR" dirty="0">
+                <a:solidFill>
+                  <a:srgbClr val="F8F8F2"/>
+                </a:solidFill>
+                <a:latin typeface="Source Code Pro" panose="020B0509030403020204" pitchFamily="49" charset="0"/>
+              </a:rPr>
+              <a:t>&gt;</a:t>
+            </a:r>
+          </a:p>
+          <a:p>
+            <a:pPr lvl="1">
+              <a:lnSpc>
+                <a:spcPct val="110000"/>
+              </a:lnSpc>
+            </a:pPr>
+            <a:r>
+              <a:rPr lang="fr-FR" dirty="0">
+                <a:solidFill>
+                  <a:srgbClr val="F8F8F2"/>
+                </a:solidFill>
+                <a:latin typeface="Source Code Pro" panose="020B0509030403020204" pitchFamily="49" charset="0"/>
+              </a:rPr>
+              <a:t>&lt;/</a:t>
+            </a:r>
+            <a:r>
+              <a:rPr lang="fr-FR" dirty="0" err="1">
+                <a:solidFill>
+                  <a:srgbClr val="569CD6"/>
+                </a:solidFill>
+                <a:latin typeface="Source Code Pro" panose="020B0509030403020204" pitchFamily="49" charset="0"/>
+              </a:rPr>
+              <a:t>head</a:t>
+            </a:r>
+            <a:r>
+              <a:rPr lang="fr-FR" dirty="0">
+                <a:solidFill>
+                  <a:srgbClr val="F8F8F2"/>
+                </a:solidFill>
+                <a:latin typeface="Source Code Pro" panose="020B0509030403020204" pitchFamily="49" charset="0"/>
+              </a:rPr>
+              <a:t>&gt;</a:t>
+            </a:r>
+          </a:p>
+          <a:p>
+            <a:pPr lvl="1">
+              <a:lnSpc>
+                <a:spcPct val="110000"/>
+              </a:lnSpc>
+            </a:pPr>
+            <a:br>
+              <a:rPr lang="fr-FR" dirty="0">
+                <a:solidFill>
+                  <a:srgbClr val="F8F8F2"/>
+                </a:solidFill>
+                <a:latin typeface="Source Code Pro" panose="020B0509030403020204" pitchFamily="49" charset="0"/>
+              </a:rPr>
+            </a:br>
+            <a:r>
+              <a:rPr lang="fr-FR" dirty="0">
+                <a:solidFill>
+                  <a:srgbClr val="F8F8F2"/>
+                </a:solidFill>
+                <a:latin typeface="Source Code Pro" panose="020B0509030403020204" pitchFamily="49" charset="0"/>
+              </a:rPr>
+              <a:t>&lt;</a:t>
+            </a:r>
+            <a:r>
+              <a:rPr lang="fr-FR" dirty="0">
+                <a:solidFill>
+                  <a:srgbClr val="569CD6"/>
+                </a:solidFill>
+                <a:latin typeface="Source Code Pro" panose="020B0509030403020204" pitchFamily="49" charset="0"/>
+              </a:rPr>
+              <a:t>body</a:t>
+            </a:r>
+            <a:r>
+              <a:rPr lang="fr-FR" dirty="0">
+                <a:solidFill>
+                  <a:srgbClr val="F8F8F2"/>
+                </a:solidFill>
+                <a:latin typeface="Source Code Pro" panose="020B0509030403020204" pitchFamily="49" charset="0"/>
+              </a:rPr>
+              <a:t>&gt;</a:t>
+            </a:r>
+          </a:p>
+          <a:p>
+            <a:pPr lvl="1">
+              <a:lnSpc>
+                <a:spcPct val="110000"/>
+              </a:lnSpc>
+            </a:pPr>
+            <a:r>
+              <a:rPr lang="fr-FR" dirty="0">
+                <a:solidFill>
+                  <a:srgbClr val="F8F8F2"/>
+                </a:solidFill>
+                <a:latin typeface="Source Code Pro" panose="020B0509030403020204" pitchFamily="49" charset="0"/>
+              </a:rPr>
+              <a:t>	Ceci est ma première page HTML ! </a:t>
+            </a:r>
+          </a:p>
+          <a:p>
+            <a:pPr lvl="1">
+              <a:lnSpc>
+                <a:spcPct val="110000"/>
+              </a:lnSpc>
+            </a:pPr>
+            <a:r>
+              <a:rPr lang="fr-FR" dirty="0">
+                <a:solidFill>
+                  <a:srgbClr val="F8F8F2"/>
+                </a:solidFill>
+                <a:latin typeface="Source Code Pro" panose="020B0509030403020204" pitchFamily="49" charset="0"/>
+              </a:rPr>
+              <a:t>&lt;/</a:t>
+            </a:r>
+            <a:r>
+              <a:rPr lang="fr-FR" dirty="0">
+                <a:solidFill>
+                  <a:srgbClr val="569CD6"/>
+                </a:solidFill>
+                <a:latin typeface="Source Code Pro" panose="020B0509030403020204" pitchFamily="49" charset="0"/>
+              </a:rPr>
+              <a:t>body</a:t>
+            </a:r>
+            <a:r>
+              <a:rPr lang="fr-FR" dirty="0">
+                <a:solidFill>
+                  <a:srgbClr val="F8F8F2"/>
+                </a:solidFill>
+                <a:latin typeface="Source Code Pro" panose="020B0509030403020204" pitchFamily="49" charset="0"/>
+              </a:rPr>
+              <a:t>&gt;</a:t>
+            </a:r>
+          </a:p>
+          <a:p>
+            <a:pPr marL="9525" lvl="1">
+              <a:lnSpc>
+                <a:spcPct val="110000"/>
+              </a:lnSpc>
+            </a:pPr>
+            <a:r>
+              <a:rPr lang="fr-FR" dirty="0">
+                <a:solidFill>
+                  <a:srgbClr val="F8F8F2"/>
+                </a:solidFill>
+                <a:latin typeface="Source Code Pro" panose="020B0509030403020204" pitchFamily="49" charset="0"/>
+              </a:rPr>
+              <a:t>&lt;/</a:t>
+            </a:r>
+            <a:r>
+              <a:rPr lang="fr-FR" dirty="0">
+                <a:solidFill>
+                  <a:srgbClr val="569CD6"/>
+                </a:solidFill>
+                <a:latin typeface="Source Code Pro" panose="020B0509030403020204" pitchFamily="49" charset="0"/>
+              </a:rPr>
+              <a:t>html</a:t>
+            </a:r>
+            <a:r>
+              <a:rPr lang="fr-FR" dirty="0">
+                <a:solidFill>
+                  <a:srgbClr val="F8F8F2"/>
+                </a:solidFill>
+                <a:latin typeface="Source Code Pro" panose="020B0509030403020204" pitchFamily="49" charset="0"/>
+              </a:rPr>
+              <a:t>&gt;</a:t>
+            </a:r>
+            <a:endParaRPr lang="fr-FR" dirty="0">
+              <a:solidFill>
+                <a:srgbClr val="F8F8F2"/>
+              </a:solidFill>
+              <a:effectLst/>
+              <a:latin typeface="Source Code Pro" panose="020B0509030403020204" pitchFamily="49" charset="0"/>
+            </a:endParaRPr>
+          </a:p>
+        </p:txBody>
+      </p:sp>
     </p:spTree>
     <p:extLst>
       <p:ext uri="{BB962C8B-B14F-4D97-AF65-F5344CB8AC3E}">
@@ -6835,13 +7012,6 @@
   <p:transition spd="slow">
     <p:wipe/>
   </p:transition>
-  <p:timing>
-    <p:tnLst>
-      <p:par>
-        <p:cTn id="1" dur="indefinite" restart="never" nodeType="tmRoot"/>
-      </p:par>
-    </p:tnLst>
-  </p:timing>
 </p:sld>
 </file>
 
@@ -6878,10 +7048,9 @@
           <a:lstStyle/>
           <a:p>
             <a:r>
-              <a:rPr lang="fr-FR" dirty="0" smtClean="0"/>
+              <a:rPr lang="fr-FR" dirty="0"/>
               <a:t>Quelques balises HTML (1/2)</a:t>
             </a:r>
-            <a:endParaRPr lang="fr-FR" dirty="0"/>
           </a:p>
         </p:txBody>
       </p:sp>
@@ -6895,56 +7064,148 @@
             <p:ph idx="1"/>
           </p:nvPr>
         </p:nvSpPr>
-        <p:spPr/>
+        <p:spPr>
+          <a:xfrm>
+            <a:off x="279400" y="1236134"/>
+            <a:ext cx="8766629" cy="4890030"/>
+          </a:xfrm>
+        </p:spPr>
         <p:txBody>
           <a:bodyPr/>
           <a:lstStyle/>
           <a:p>
-            <a:r>
-              <a:rPr lang="fr-FR" dirty="0" smtClean="0"/>
-              <a:t>h1, h2, h3, …</a:t>
-            </a:r>
-          </a:p>
-          <a:p>
-            <a:pPr lvl="1"/>
-            <a:r>
-              <a:rPr lang="fr-FR" dirty="0" smtClean="0"/>
+            <a:pPr marL="400050" indent="-400050"/>
+            <a:r>
+              <a:rPr lang="fr-FR" sz="2400" b="1" dirty="0">
+                <a:latin typeface="Source Code Pro" panose="020B0509030403020204" pitchFamily="49" charset="0"/>
+                <a:ea typeface="Source Code Pro" panose="020B0509030403020204" pitchFamily="49" charset="0"/>
+              </a:rPr>
+              <a:t>h1</a:t>
+            </a:r>
+            <a:r>
+              <a:rPr lang="fr-FR" sz="2400" dirty="0">
+                <a:latin typeface="+mj-lt"/>
+                <a:ea typeface="Source Code Pro" panose="020B0509030403020204" pitchFamily="49" charset="0"/>
+              </a:rPr>
+              <a:t>,</a:t>
+            </a:r>
+            <a:r>
+              <a:rPr lang="fr-FR" sz="2400" b="1" dirty="0">
+                <a:latin typeface="+mj-lt"/>
+                <a:ea typeface="Source Code Pro" panose="020B0509030403020204" pitchFamily="49" charset="0"/>
+              </a:rPr>
+              <a:t> </a:t>
+            </a:r>
+            <a:r>
+              <a:rPr lang="fr-FR" sz="2400" b="1" dirty="0">
+                <a:latin typeface="Source Code Pro" panose="020B0509030403020204" pitchFamily="49" charset="0"/>
+                <a:ea typeface="Source Code Pro" panose="020B0509030403020204" pitchFamily="49" charset="0"/>
+              </a:rPr>
+              <a:t>h2</a:t>
+            </a:r>
+            <a:r>
+              <a:rPr lang="fr-FR" sz="2400" dirty="0">
+                <a:latin typeface="+mj-lt"/>
+                <a:ea typeface="Source Code Pro" panose="020B0509030403020204" pitchFamily="49" charset="0"/>
+              </a:rPr>
+              <a:t>,</a:t>
+            </a:r>
+            <a:r>
+              <a:rPr lang="fr-FR" sz="2400" b="1" dirty="0">
+                <a:latin typeface="+mj-lt"/>
+                <a:ea typeface="Source Code Pro" panose="020B0509030403020204" pitchFamily="49" charset="0"/>
+              </a:rPr>
+              <a:t> </a:t>
+            </a:r>
+            <a:r>
+              <a:rPr lang="fr-FR" sz="2400" b="1" dirty="0">
+                <a:latin typeface="Source Code Pro" panose="020B0509030403020204" pitchFamily="49" charset="0"/>
+                <a:ea typeface="Source Code Pro" panose="020B0509030403020204" pitchFamily="49" charset="0"/>
+              </a:rPr>
+              <a:t>h3</a:t>
+            </a:r>
+            <a:r>
+              <a:rPr lang="fr-FR" sz="2400" dirty="0">
+                <a:latin typeface="+mj-lt"/>
+                <a:ea typeface="Source Code Pro" panose="020B0509030403020204" pitchFamily="49" charset="0"/>
+              </a:rPr>
+              <a:t>, …</a:t>
+            </a:r>
+          </a:p>
+          <a:p>
+            <a:pPr marL="457200" lvl="1" indent="0">
+              <a:buNone/>
+            </a:pPr>
+            <a:r>
+              <a:rPr lang="fr-FR" sz="2400" dirty="0"/>
               <a:t>Titre 1, Titre 2, Titre3, etc.</a:t>
             </a:r>
           </a:p>
           <a:p>
-            <a:r>
-              <a:rPr lang="fr-FR" dirty="0"/>
+            <a:pPr marL="400050" indent="-400050">
+              <a:lnSpc>
+                <a:spcPct val="150000"/>
+              </a:lnSpc>
+              <a:spcBef>
+                <a:spcPts val="624"/>
+              </a:spcBef>
+            </a:pPr>
+            <a:r>
+              <a:rPr lang="fr-FR" sz="2400" b="1" dirty="0">
+                <a:latin typeface="Source Code Pro" panose="020B0509030403020204" pitchFamily="49" charset="0"/>
+                <a:ea typeface="Source Code Pro" panose="020B0509030403020204" pitchFamily="49" charset="0"/>
+              </a:rPr>
               <a:t>a</a:t>
             </a:r>
-            <a:endParaRPr lang="fr-FR" dirty="0" smtClean="0"/>
-          </a:p>
-          <a:p>
-            <a:pPr lvl="1"/>
-            <a:r>
-              <a:rPr lang="fr-FR" dirty="0"/>
+          </a:p>
+          <a:p>
+            <a:pPr marL="457200" lvl="1" indent="0">
+              <a:buNone/>
+            </a:pPr>
+            <a:r>
+              <a:rPr lang="fr-FR" sz="2000" dirty="0">
+                <a:latin typeface="Source Code Pro" panose="020B0509030403020204" pitchFamily="49" charset="0"/>
+                <a:ea typeface="Source Code Pro" panose="020B0509030403020204" pitchFamily="49" charset="0"/>
+              </a:rPr>
               <a:t>&lt;a </a:t>
             </a:r>
             <a:r>
-              <a:rPr lang="fr-FR" dirty="0" err="1"/>
+              <a:rPr lang="fr-FR" sz="2000" dirty="0" err="1">
+                <a:latin typeface="Source Code Pro" panose="020B0509030403020204" pitchFamily="49" charset="0"/>
+                <a:ea typeface="Source Code Pro" panose="020B0509030403020204" pitchFamily="49" charset="0"/>
+              </a:rPr>
               <a:t>href</a:t>
             </a:r>
             <a:r>
-              <a:rPr lang="fr-FR" dirty="0"/>
+              <a:rPr lang="fr-FR" sz="2000" dirty="0">
+                <a:latin typeface="Source Code Pro" panose="020B0509030403020204" pitchFamily="49" charset="0"/>
+                <a:ea typeface="Source Code Pro" panose="020B0509030403020204" pitchFamily="49" charset="0"/>
+              </a:rPr>
               <a:t>='</a:t>
             </a:r>
             <a:r>
-              <a:rPr lang="fr-FR" dirty="0" err="1"/>
+              <a:rPr lang="fr-FR" sz="2000" dirty="0" err="1">
+                <a:latin typeface="Source Code Pro" panose="020B0509030403020204" pitchFamily="49" charset="0"/>
+                <a:ea typeface="Source Code Pro" panose="020B0509030403020204" pitchFamily="49" charset="0"/>
+              </a:rPr>
               <a:t>autrePage.hml</a:t>
             </a:r>
             <a:r>
-              <a:rPr lang="fr-FR" dirty="0"/>
-              <a:t>'&gt; lien vers une autre page &lt;/a&gt;</a:t>
-            </a:r>
-          </a:p>
-          <a:p>
-            <a:r>
-              <a:rPr lang="fr-FR" dirty="0" smtClean="0"/>
+              <a:rPr lang="fr-FR" sz="2000" dirty="0">
+                <a:latin typeface="Source Code Pro" panose="020B0509030403020204" pitchFamily="49" charset="0"/>
+                <a:ea typeface="Source Code Pro" panose="020B0509030403020204" pitchFamily="49" charset="0"/>
+              </a:rPr>
+              <a:t>'&gt; lien vers une autre page&lt;/a&gt;</a:t>
+            </a:r>
+          </a:p>
+          <a:p>
+            <a:pPr marL="400050" indent="-400050">
+              <a:lnSpc>
+                <a:spcPct val="150000"/>
+              </a:lnSpc>
+            </a:pPr>
+            <a:r>
+              <a:rPr lang="fr-FR" sz="2400" b="1" dirty="0"/>
               <a:t>Liste</a:t>
             </a:r>
           </a:p>
@@ -6953,12 +7214,15 @@
               <a:buNone/>
             </a:pPr>
             <a:r>
-              <a:rPr lang="it-IT" dirty="0" smtClean="0"/>
-              <a:t>	&lt;</a:t>
-            </a:r>
-            <a:r>
               <a:rPr lang="it-IT" dirty="0"/>
-              <a:t>ul&gt;</a:t>
+              <a:t>	</a:t>
+            </a:r>
+            <a:r>
+              <a:rPr lang="it-IT" dirty="0">
+                <a:latin typeface="Source Code Pro" panose="020B0509030403020204" pitchFamily="49" charset="0"/>
+                <a:ea typeface="Source Code Pro" panose="020B0509030403020204" pitchFamily="49" charset="0"/>
+              </a:rPr>
+              <a:t>&lt;ul&gt;</a:t>
             </a:r>
           </a:p>
           <a:p>
@@ -6966,16 +7230,11 @@
               <a:buNone/>
             </a:pPr>
             <a:r>
-              <a:rPr lang="it-IT" dirty="0" smtClean="0"/>
-              <a:t>		&lt;</a:t>
-            </a:r>
-            <a:r>
-              <a:rPr lang="it-IT" dirty="0"/>
-              <a:t>li&gt;item1 &lt;/li</a:t>
-            </a:r>
-            <a:r>
-              <a:rPr lang="it-IT" dirty="0" smtClean="0"/>
-              <a:t>&gt;	</a:t>
+              <a:rPr lang="it-IT" dirty="0">
+                <a:latin typeface="Source Code Pro" panose="020B0509030403020204" pitchFamily="49" charset="0"/>
+                <a:ea typeface="Source Code Pro" panose="020B0509030403020204" pitchFamily="49" charset="0"/>
+              </a:rPr>
+              <a:t>		&lt;li&gt;item1 &lt;/li&gt;	</a:t>
             </a:r>
           </a:p>
           <a:p>
@@ -6983,16 +7242,11 @@
               <a:buNone/>
             </a:pPr>
             <a:r>
-              <a:rPr lang="it-IT" dirty="0"/>
-              <a:t>	</a:t>
-            </a:r>
-            <a:r>
-              <a:rPr lang="it-IT" dirty="0" smtClean="0"/>
-              <a:t>	&lt;</a:t>
-            </a:r>
-            <a:r>
-              <a:rPr lang="it-IT" dirty="0"/>
-              <a:t>li&gt;item2 &lt;/li&gt;</a:t>
+              <a:rPr lang="it-IT" dirty="0">
+                <a:latin typeface="Source Code Pro" panose="020B0509030403020204" pitchFamily="49" charset="0"/>
+                <a:ea typeface="Source Code Pro" panose="020B0509030403020204" pitchFamily="49" charset="0"/>
+              </a:rPr>
+              <a:t>		&lt;li&gt;item2 &lt;/li&gt;</a:t>
             </a:r>
           </a:p>
           <a:p>
@@ -7000,12 +7254,11 @@
               <a:buNone/>
             </a:pPr>
             <a:r>
-              <a:rPr lang="it-IT" dirty="0" smtClean="0"/>
-              <a:t>		&lt;</a:t>
-            </a:r>
-            <a:r>
-              <a:rPr lang="it-IT" dirty="0"/>
-              <a:t>li&gt;item3 &lt;/li&gt;</a:t>
+              <a:rPr lang="it-IT" dirty="0">
+                <a:latin typeface="Source Code Pro" panose="020B0509030403020204" pitchFamily="49" charset="0"/>
+                <a:ea typeface="Source Code Pro" panose="020B0509030403020204" pitchFamily="49" charset="0"/>
+              </a:rPr>
+              <a:t>		&lt;li&gt;item3 &lt;/li&gt;</a:t>
             </a:r>
           </a:p>
           <a:p>
@@ -7013,12 +7266,11 @@
               <a:buNone/>
             </a:pPr>
             <a:r>
-              <a:rPr lang="it-IT" dirty="0" smtClean="0"/>
-              <a:t>	&lt;/</a:t>
-            </a:r>
-            <a:r>
-              <a:rPr lang="it-IT" dirty="0"/>
-              <a:t>ul&gt;</a:t>
+              <a:rPr lang="it-IT" dirty="0">
+                <a:latin typeface="Source Code Pro" panose="020B0509030403020204" pitchFamily="49" charset="0"/>
+                <a:ea typeface="Source Code Pro" panose="020B0509030403020204" pitchFamily="49" charset="0"/>
+              </a:rPr>
+              <a:t>	&lt;/ul&gt;</a:t>
             </a:r>
           </a:p>
           <a:p>
@@ -7044,7 +7296,7 @@
           <a:p>
             <a:fld id="{BB2FA04C-1355-4CE6-8050-4BD994E23BD5}" type="datetime4">
               <a:rPr lang="fr-FR" smtClean="0"/>
-              <a:t>24 mai 2019</a:t>
+              <a:t>27 mai 2019</a:t>
             </a:fld>
             <a:endParaRPr lang="fr-FR" dirty="0"/>
           </a:p>
@@ -7066,10 +7318,9 @@
           <a:lstStyle/>
           <a:p>
             <a:r>
-              <a:rPr lang="fr-FR" smtClean="0"/>
+              <a:rPr lang="fr-FR"/>
               <a:t>DIU NSI</a:t>
             </a:r>
-            <a:endParaRPr lang="fr-FR"/>
           </a:p>
         </p:txBody>
       </p:sp>
@@ -7107,13 +7358,6 @@
   <p:clrMapOvr>
     <a:masterClrMapping/>
   </p:clrMapOvr>
-  <p:timing>
-    <p:tnLst>
-      <p:par>
-        <p:cTn id="1" dur="indefinite" restart="never" nodeType="tmRoot"/>
-      </p:par>
-    </p:tnLst>
-  </p:timing>
 </p:sld>
 </file>
 
@@ -7151,15 +7395,7 @@
           <a:p>
             <a:r>
               <a:rPr lang="fr-FR" dirty="0"/>
-              <a:t>Quelques balises HTML </a:t>
-            </a:r>
-            <a:r>
-              <a:rPr lang="fr-FR" dirty="0" smtClean="0"/>
-              <a:t>(2/2</a:t>
-            </a:r>
-            <a:r>
-              <a:rPr lang="fr-FR" dirty="0"/>
-              <a:t>)</a:t>
+              <a:t>Quelques balises HTML (2/2)</a:t>
             </a:r>
           </a:p>
         </p:txBody>
@@ -7179,98 +7415,176 @@
           <a:bodyPr/>
           <a:lstStyle/>
           <a:p>
-            <a:r>
-              <a:rPr lang="fr-FR" dirty="0" err="1" smtClean="0"/>
-              <a:t>Img</a:t>
-            </a:r>
-            <a:endParaRPr lang="fr-FR" dirty="0" smtClean="0"/>
+            <a:pPr marL="400050" indent="-400050">
+              <a:lnSpc>
+                <a:spcPct val="150000"/>
+              </a:lnSpc>
+            </a:pPr>
+            <a:r>
+              <a:rPr lang="fr-FR" sz="2400" b="1" dirty="0" err="1">
+                <a:latin typeface="Source Code Pro" panose="020B0509030403020204" pitchFamily="49" charset="0"/>
+                <a:ea typeface="Source Code Pro" panose="020B0509030403020204" pitchFamily="49" charset="0"/>
+              </a:rPr>
+              <a:t>img</a:t>
+            </a:r>
+            <a:endParaRPr lang="fr-FR" sz="2400" b="1" dirty="0">
+              <a:latin typeface="Source Code Pro" panose="020B0509030403020204" pitchFamily="49" charset="0"/>
+              <a:ea typeface="Source Code Pro" panose="020B0509030403020204" pitchFamily="49" charset="0"/>
+            </a:endParaRPr>
           </a:p>
           <a:p>
             <a:pPr lvl="1"/>
             <a:r>
-              <a:rPr lang="fr-FR" dirty="0"/>
+              <a:rPr lang="fr-FR" sz="2000" dirty="0">
+                <a:latin typeface="Source Code Pro" panose="020B0509030403020204" pitchFamily="49" charset="0"/>
+                <a:ea typeface="Source Code Pro" panose="020B0509030403020204" pitchFamily="49" charset="0"/>
+              </a:rPr>
               <a:t>&lt;</a:t>
             </a:r>
             <a:r>
-              <a:rPr lang="fr-FR" dirty="0" err="1"/>
+              <a:rPr lang="fr-FR" sz="2000" dirty="0" err="1">
+                <a:latin typeface="Source Code Pro" panose="020B0509030403020204" pitchFamily="49" charset="0"/>
+                <a:ea typeface="Source Code Pro" panose="020B0509030403020204" pitchFamily="49" charset="0"/>
+              </a:rPr>
               <a:t>img</a:t>
             </a:r>
             <a:r>
-              <a:rPr lang="fr-FR" dirty="0"/>
+              <a:rPr lang="fr-FR" sz="2000" dirty="0">
+                <a:latin typeface="Source Code Pro" panose="020B0509030403020204" pitchFamily="49" charset="0"/>
+                <a:ea typeface="Source Code Pro" panose="020B0509030403020204" pitchFamily="49" charset="0"/>
+              </a:rPr>
               <a:t> </a:t>
             </a:r>
             <a:r>
-              <a:rPr lang="fr-FR" dirty="0" err="1"/>
+              <a:rPr lang="fr-FR" sz="2000" dirty="0" err="1">
+                <a:latin typeface="Source Code Pro" panose="020B0509030403020204" pitchFamily="49" charset="0"/>
+                <a:ea typeface="Source Code Pro" panose="020B0509030403020204" pitchFamily="49" charset="0"/>
+              </a:rPr>
               <a:t>src</a:t>
             </a:r>
             <a:r>
-              <a:rPr lang="fr-FR" dirty="0"/>
+              <a:rPr lang="fr-FR" sz="2000" dirty="0">
+                <a:latin typeface="Source Code Pro" panose="020B0509030403020204" pitchFamily="49" charset="0"/>
+                <a:ea typeface="Source Code Pro" panose="020B0509030403020204" pitchFamily="49" charset="0"/>
+              </a:rPr>
               <a:t>="monImage.jpg" </a:t>
             </a:r>
             <a:r>
-              <a:rPr lang="fr-FR" dirty="0" err="1"/>
+              <a:rPr lang="fr-FR" sz="2000" dirty="0" err="1">
+                <a:latin typeface="Source Code Pro" panose="020B0509030403020204" pitchFamily="49" charset="0"/>
+                <a:ea typeface="Source Code Pro" panose="020B0509030403020204" pitchFamily="49" charset="0"/>
+              </a:rPr>
               <a:t>alt</a:t>
             </a:r>
             <a:r>
-              <a:rPr lang="fr-FR" dirty="0"/>
+              <a:rPr lang="fr-FR" sz="2000" dirty="0">
+                <a:latin typeface="Source Code Pro" panose="020B0509030403020204" pitchFamily="49" charset="0"/>
+                <a:ea typeface="Source Code Pro" panose="020B0509030403020204" pitchFamily="49" charset="0"/>
+              </a:rPr>
               <a:t>="Mon image"/&gt;</a:t>
             </a:r>
           </a:p>
           <a:p>
-            <a:r>
-              <a:rPr lang="fr-FR" dirty="0" smtClean="0"/>
+            <a:pPr marL="400050" indent="-400050">
+              <a:lnSpc>
+                <a:spcPct val="150000"/>
+              </a:lnSpc>
+            </a:pPr>
+            <a:r>
+              <a:rPr lang="fr-FR" sz="2400" b="1" dirty="0">
+                <a:latin typeface="Source Code Pro" panose="020B0509030403020204" pitchFamily="49" charset="0"/>
+                <a:ea typeface="Source Code Pro" panose="020B0509030403020204" pitchFamily="49" charset="0"/>
+              </a:rPr>
               <a:t>div et </a:t>
             </a:r>
             <a:r>
-              <a:rPr lang="fr-FR" dirty="0" err="1" smtClean="0"/>
+              <a:rPr lang="fr-FR" sz="2400" b="1" dirty="0" err="1">
+                <a:latin typeface="Source Code Pro" panose="020B0509030403020204" pitchFamily="49" charset="0"/>
+                <a:ea typeface="Source Code Pro" panose="020B0509030403020204" pitchFamily="49" charset="0"/>
+              </a:rPr>
               <a:t>span</a:t>
             </a:r>
-            <a:endParaRPr lang="fr-FR" dirty="0" smtClean="0"/>
+            <a:endParaRPr lang="fr-FR" sz="2400" b="1" dirty="0">
+              <a:latin typeface="Source Code Pro" panose="020B0509030403020204" pitchFamily="49" charset="0"/>
+              <a:ea typeface="Source Code Pro" panose="020B0509030403020204" pitchFamily="49" charset="0"/>
+            </a:endParaRPr>
           </a:p>
           <a:p>
             <a:pPr lvl="1"/>
             <a:r>
-              <a:rPr lang="fr-FR" dirty="0" smtClean="0"/>
+              <a:rPr lang="fr-FR" sz="2000" dirty="0">
+                <a:latin typeface="Source Code Pro" panose="020B0509030403020204" pitchFamily="49" charset="0"/>
+                <a:ea typeface="Source Code Pro" panose="020B0509030403020204" pitchFamily="49" charset="0"/>
+              </a:rPr>
               <a:t>&lt;</a:t>
             </a:r>
             <a:r>
-              <a:rPr lang="fr-FR" dirty="0" err="1" smtClean="0"/>
+              <a:rPr lang="fr-FR" sz="2000" dirty="0" err="1">
+                <a:latin typeface="Source Code Pro" panose="020B0509030403020204" pitchFamily="49" charset="0"/>
+                <a:ea typeface="Source Code Pro" panose="020B0509030403020204" pitchFamily="49" charset="0"/>
+              </a:rPr>
               <a:t>span</a:t>
             </a:r>
             <a:r>
-              <a:rPr lang="fr-FR" dirty="0" smtClean="0"/>
+              <a:rPr lang="fr-FR" sz="2000" dirty="0">
+                <a:latin typeface="Source Code Pro" panose="020B0509030403020204" pitchFamily="49" charset="0"/>
+                <a:ea typeface="Source Code Pro" panose="020B0509030403020204" pitchFamily="49" charset="0"/>
+              </a:rPr>
               <a:t> id=‘nom’&gt;J. </a:t>
             </a:r>
             <a:r>
-              <a:rPr lang="fr-FR" dirty="0" err="1" smtClean="0"/>
+              <a:rPr lang="fr-FR" sz="2000" dirty="0" err="1">
+                <a:latin typeface="Source Code Pro" panose="020B0509030403020204" pitchFamily="49" charset="0"/>
+                <a:ea typeface="Source Code Pro" panose="020B0509030403020204" pitchFamily="49" charset="0"/>
+              </a:rPr>
               <a:t>Doe</a:t>
             </a:r>
             <a:r>
-              <a:rPr lang="fr-FR" dirty="0" smtClean="0"/>
+              <a:rPr lang="fr-FR" sz="2000" dirty="0">
+                <a:latin typeface="Source Code Pro" panose="020B0509030403020204" pitchFamily="49" charset="0"/>
+                <a:ea typeface="Source Code Pro" panose="020B0509030403020204" pitchFamily="49" charset="0"/>
+              </a:rPr>
               <a:t>&lt;/</a:t>
             </a:r>
             <a:r>
-              <a:rPr lang="fr-FR" dirty="0" err="1" smtClean="0"/>
+              <a:rPr lang="fr-FR" sz="2000" dirty="0" err="1">
+                <a:latin typeface="Source Code Pro" panose="020B0509030403020204" pitchFamily="49" charset="0"/>
+                <a:ea typeface="Source Code Pro" panose="020B0509030403020204" pitchFamily="49" charset="0"/>
+              </a:rPr>
               <a:t>span</a:t>
             </a:r>
             <a:r>
-              <a:rPr lang="fr-FR" dirty="0" smtClean="0"/>
+              <a:rPr lang="fr-FR" sz="2000" dirty="0">
+                <a:latin typeface="Source Code Pro" panose="020B0509030403020204" pitchFamily="49" charset="0"/>
+                <a:ea typeface="Source Code Pro" panose="020B0509030403020204" pitchFamily="49" charset="0"/>
+              </a:rPr>
               <a:t>&gt;</a:t>
             </a:r>
           </a:p>
           <a:p>
             <a:pPr lvl="1"/>
             <a:r>
-              <a:rPr lang="fr-FR" dirty="0" smtClean="0"/>
+              <a:rPr lang="fr-FR" sz="2000" dirty="0">
+                <a:latin typeface="Source Code Pro" panose="020B0509030403020204" pitchFamily="49" charset="0"/>
+                <a:ea typeface="Source Code Pro" panose="020B0509030403020204" pitchFamily="49" charset="0"/>
+              </a:rPr>
               <a:t>&lt;div id=‘cartes’&gt; &lt;/div&gt;</a:t>
             </a:r>
-          </a:p>
-          <a:p>
-            <a:r>
-              <a:rPr lang="fr-FR" dirty="0" smtClean="0"/>
-              <a:t>Et bien d’autres encore</a:t>
-            </a:r>
-            <a:endParaRPr lang="fr-FR" dirty="0"/>
+            <a:endParaRPr lang="fr-FR" dirty="0">
+              <a:latin typeface="Source Code Pro" panose="020B0509030403020204" pitchFamily="49" charset="0"/>
+              <a:ea typeface="Source Code Pro" panose="020B0509030403020204" pitchFamily="49" charset="0"/>
+            </a:endParaRPr>
+          </a:p>
+          <a:p>
+            <a:pPr marL="400050" indent="-400050">
+              <a:lnSpc>
+                <a:spcPct val="150000"/>
+              </a:lnSpc>
+            </a:pPr>
+            <a:r>
+              <a:rPr lang="fr-FR" sz="2400" dirty="0"/>
+              <a:t>Et bien d’autres encore…</a:t>
+            </a:r>
           </a:p>
         </p:txBody>
       </p:sp>
@@ -7291,7 +7605,7 @@
           <a:p>
             <a:fld id="{BB2FA04C-1355-4CE6-8050-4BD994E23BD5}" type="datetime4">
               <a:rPr lang="fr-FR" smtClean="0"/>
-              <a:t>24 mai 2019</a:t>
+              <a:t>27 mai 2019</a:t>
             </a:fld>
             <a:endParaRPr lang="fr-FR" dirty="0"/>
           </a:p>
@@ -7313,10 +7627,9 @@
           <a:lstStyle/>
           <a:p>
             <a:r>
-              <a:rPr lang="fr-FR" smtClean="0"/>
+              <a:rPr lang="fr-FR"/>
               <a:t>DIU NSI</a:t>
             </a:r>
-            <a:endParaRPr lang="fr-FR"/>
           </a:p>
         </p:txBody>
       </p:sp>
@@ -7354,13 +7667,6 @@
   <p:clrMapOvr>
     <a:masterClrMapping/>
   </p:clrMapOvr>
-  <p:timing>
-    <p:tnLst>
-      <p:par>
-        <p:cTn id="1" dur="indefinite" restart="never" nodeType="tmRoot"/>
-      </p:par>
-    </p:tnLst>
-  </p:timing>
 </p:sld>
 </file>
 
@@ -7397,10 +7703,9 @@
           <a:lstStyle/>
           <a:p>
             <a:r>
-              <a:rPr lang="fr-FR" dirty="0" smtClean="0"/>
+              <a:rPr lang="fr-FR" dirty="0"/>
               <a:t>Page HTML et arbre DOM</a:t>
             </a:r>
-            <a:endParaRPr lang="fr-FR" dirty="0"/>
           </a:p>
         </p:txBody>
       </p:sp>
@@ -7421,7 +7726,7 @@
           <a:p>
             <a:fld id="{BB2FA04C-1355-4CE6-8050-4BD994E23BD5}" type="datetime4">
               <a:rPr lang="fr-FR" smtClean="0"/>
-              <a:t>24 mai 2019</a:t>
+              <a:t>27 mai 2019</a:t>
             </a:fld>
             <a:endParaRPr lang="fr-FR" dirty="0"/>
           </a:p>
@@ -7443,10 +7748,9 @@
           <a:lstStyle/>
           <a:p>
             <a:r>
-              <a:rPr lang="fr-FR" smtClean="0"/>
+              <a:rPr lang="fr-FR"/>
               <a:t>DIU NSI</a:t>
             </a:r>
-            <a:endParaRPr lang="fr-FR"/>
           </a:p>
         </p:txBody>
       </p:sp>
@@ -7482,7 +7786,7 @@
         </p:nvSpPr>
         <p:spPr>
           <a:xfrm>
-            <a:off x="4401671" y="1855694"/>
+            <a:off x="4401671" y="1648107"/>
             <a:ext cx="4141694" cy="4177553"/>
           </a:xfrm>
           <a:prstGeom prst="rect">
@@ -7528,18 +7832,17 @@
           </p:cNvPicPr>
           <p:nvPr/>
         </p:nvPicPr>
-        <p:blipFill>
+        <p:blipFill rotWithShape="1">
           <a:blip r:embed="rId2"/>
-          <a:stretch>
-            <a:fillRect/>
-          </a:stretch>
+          <a:srcRect l="14238" t="14613" r="15085" b="14923"/>
+          <a:stretch/>
         </p:blipFill>
         <p:spPr>
           <a:xfrm>
-            <a:off x="7669025" y="2017059"/>
-            <a:ext cx="753315" cy="753315"/>
+            <a:off x="7776275" y="1919555"/>
+            <a:ext cx="532415" cy="530817"/>
           </a:xfrm>
-          <a:prstGeom prst="rect">
+          <a:prstGeom prst="ellipse">
             <a:avLst/>
           </a:prstGeom>
         </p:spPr>
@@ -7552,7 +7855,7 @@
         </p:nvSpPr>
         <p:spPr>
           <a:xfrm rot="10800000">
-            <a:off x="589953" y="1569507"/>
+            <a:off x="589953" y="1361920"/>
             <a:ext cx="983386" cy="1432537"/>
           </a:xfrm>
           <a:prstGeom prst="foldedCorner">
@@ -7600,18 +7903,17 @@
           </p:cNvPicPr>
           <p:nvPr/>
         </p:nvPicPr>
-        <p:blipFill>
+        <p:blipFill rotWithShape="1">
           <a:blip r:embed="rId3"/>
-          <a:stretch>
-            <a:fillRect/>
-          </a:stretch>
+          <a:srcRect l="2315" t="1876" r="1983" b="1302"/>
+          <a:stretch/>
         </p:blipFill>
         <p:spPr>
           <a:xfrm>
-            <a:off x="1038485" y="1811821"/>
-            <a:ext cx="497975" cy="492208"/>
+            <a:off x="1017352" y="1613464"/>
+            <a:ext cx="476574" cy="476573"/>
           </a:xfrm>
-          <a:prstGeom prst="rect">
+          <a:prstGeom prst="ellipse">
             <a:avLst/>
           </a:prstGeom>
         </p:spPr>
@@ -7624,7 +7926,7 @@
         </p:nvSpPr>
         <p:spPr>
           <a:xfrm>
-            <a:off x="172407" y="3122927"/>
+            <a:off x="295379" y="2878652"/>
             <a:ext cx="1569660" cy="369332"/>
           </a:xfrm>
           <a:prstGeom prst="rect">
@@ -7639,10 +7941,9 @@
           <a:lstStyle/>
           <a:p>
             <a:r>
-              <a:rPr lang="fr-FR" dirty="0" smtClean="0"/>
+              <a:rPr lang="fr-FR" dirty="0"/>
               <a:t>Fichier HTML</a:t>
             </a:r>
-            <a:endParaRPr lang="fr-FR" dirty="0"/>
           </a:p>
         </p:txBody>
       </p:sp>
@@ -7654,7 +7955,7 @@
         </p:nvSpPr>
         <p:spPr>
           <a:xfrm>
-            <a:off x="5607012" y="6044772"/>
+            <a:off x="5607012" y="5837185"/>
             <a:ext cx="1834798" cy="369332"/>
           </a:xfrm>
           <a:prstGeom prst="rect">
@@ -7669,10 +7970,9 @@
           <a:lstStyle/>
           <a:p>
             <a:r>
-              <a:rPr lang="fr-FR" dirty="0" smtClean="0"/>
+              <a:rPr lang="fr-FR" dirty="0"/>
               <a:t>Navigateur Web</a:t>
             </a:r>
-            <a:endParaRPr lang="fr-FR" dirty="0"/>
           </a:p>
         </p:txBody>
       </p:sp>
@@ -7684,7 +7984,7 @@
         </p:nvSpPr>
         <p:spPr>
           <a:xfrm rot="10800000">
-            <a:off x="2472412" y="2507989"/>
+            <a:off x="2472412" y="2300402"/>
             <a:ext cx="983386" cy="1432537"/>
           </a:xfrm>
           <a:prstGeom prst="foldedCorner">
@@ -7724,30 +8024,6 @@
           </a:p>
         </p:txBody>
       </p:sp>
-      <p:pic>
-        <p:nvPicPr>
-          <p:cNvPr id="18" name="Image 17"/>
-          <p:cNvPicPr>
-            <a:picLocks noChangeAspect="1"/>
-          </p:cNvPicPr>
-          <p:nvPr/>
-        </p:nvPicPr>
-        <p:blipFill>
-          <a:blip r:embed="rId3"/>
-          <a:stretch>
-            <a:fillRect/>
-          </a:stretch>
-        </p:blipFill>
-        <p:spPr>
-          <a:xfrm>
-            <a:off x="2920944" y="2750303"/>
-            <a:ext cx="497975" cy="492208"/>
-          </a:xfrm>
-          <a:prstGeom prst="rect">
-            <a:avLst/>
-          </a:prstGeom>
-        </p:spPr>
-      </p:pic>
       <p:sp>
         <p:nvSpPr>
           <p:cNvPr id="19" name="ZoneTexte 18"/>
@@ -7756,7 +8032,7 @@
         </p:nvSpPr>
         <p:spPr>
           <a:xfrm>
-            <a:off x="2054866" y="4061409"/>
+            <a:off x="2107315" y="3864111"/>
             <a:ext cx="1569660" cy="369332"/>
           </a:xfrm>
           <a:prstGeom prst="rect">
@@ -7771,10 +8047,9 @@
           <a:lstStyle/>
           <a:p>
             <a:r>
-              <a:rPr lang="fr-FR" dirty="0" smtClean="0"/>
+              <a:rPr lang="fr-FR" dirty="0"/>
               <a:t>Fichier HTML</a:t>
             </a:r>
-            <a:endParaRPr lang="fr-FR" dirty="0"/>
           </a:p>
         </p:txBody>
       </p:sp>
@@ -7786,7 +8061,7 @@
         </p:nvSpPr>
         <p:spPr>
           <a:xfrm rot="10800000">
-            <a:off x="784394" y="3940526"/>
+            <a:off x="784394" y="3732939"/>
             <a:ext cx="983386" cy="1432537"/>
           </a:xfrm>
           <a:prstGeom prst="foldedCorner">
@@ -7826,30 +8101,6 @@
           </a:p>
         </p:txBody>
       </p:sp>
-      <p:pic>
-        <p:nvPicPr>
-          <p:cNvPr id="21" name="Image 20"/>
-          <p:cNvPicPr>
-            <a:picLocks noChangeAspect="1"/>
-          </p:cNvPicPr>
-          <p:nvPr/>
-        </p:nvPicPr>
-        <p:blipFill>
-          <a:blip r:embed="rId3"/>
-          <a:stretch>
-            <a:fillRect/>
-          </a:stretch>
-        </p:blipFill>
-        <p:spPr>
-          <a:xfrm>
-            <a:off x="1232926" y="4182840"/>
-            <a:ext cx="497975" cy="492208"/>
-          </a:xfrm>
-          <a:prstGeom prst="rect">
-            <a:avLst/>
-          </a:prstGeom>
-        </p:spPr>
-      </p:pic>
       <p:sp>
         <p:nvSpPr>
           <p:cNvPr id="22" name="ZoneTexte 21"/>
@@ -7858,7 +8109,7 @@
         </p:nvSpPr>
         <p:spPr>
           <a:xfrm>
-            <a:off x="733189" y="5459933"/>
+            <a:off x="669581" y="5229147"/>
             <a:ext cx="1172116" cy="369332"/>
           </a:xfrm>
           <a:prstGeom prst="rect">
@@ -7873,37 +8124,12 @@
           <a:lstStyle/>
           <a:p>
             <a:r>
-              <a:rPr lang="fr-FR" dirty="0" smtClean="0"/>
+              <a:rPr lang="fr-FR" dirty="0"/>
               <a:t>Fichier …</a:t>
             </a:r>
-            <a:endParaRPr lang="fr-FR" dirty="0"/>
-          </a:p>
-        </p:txBody>
-      </p:sp>
-      <p:pic>
-        <p:nvPicPr>
-          <p:cNvPr id="23" name="Image 22"/>
-          <p:cNvPicPr>
-            <a:picLocks noChangeAspect="1"/>
-          </p:cNvPicPr>
-          <p:nvPr/>
-        </p:nvPicPr>
-        <p:blipFill>
-          <a:blip r:embed="rId4"/>
-          <a:stretch>
-            <a:fillRect/>
-          </a:stretch>
-        </p:blipFill>
-        <p:spPr>
-          <a:xfrm>
-            <a:off x="4827412" y="2915957"/>
-            <a:ext cx="3481278" cy="2888119"/>
-          </a:xfrm>
-          <a:prstGeom prst="rect">
-            <a:avLst/>
-          </a:prstGeom>
-        </p:spPr>
-      </p:pic>
+          </a:p>
+        </p:txBody>
+      </p:sp>
       <p:sp>
         <p:nvSpPr>
           <p:cNvPr id="24" name="Accolade fermante 23"/>
@@ -7912,11 +8138,14 @@
         </p:nvSpPr>
         <p:spPr>
           <a:xfrm>
-            <a:off x="3531957" y="1811821"/>
-            <a:ext cx="748689" cy="4358634"/>
+            <a:off x="3565988" y="1604234"/>
+            <a:ext cx="680626" cy="4358634"/>
           </a:xfrm>
           <a:prstGeom prst="rightBrace">
-            <a:avLst/>
+            <a:avLst>
+              <a:gd name="adj1" fmla="val 21419"/>
+              <a:gd name="adj2" fmla="val 50000"/>
+            </a:avLst>
           </a:prstGeom>
         </p:spPr>
         <p:style>
@@ -7942,6 +8171,377 @@
           </a:p>
         </p:txBody>
       </p:sp>
+      <p:pic>
+        <p:nvPicPr>
+          <p:cNvPr id="25" name="Image 8">
+            <a:extLst>
+              <a:ext uri="{FF2B5EF4-FFF2-40B4-BE49-F238E27FC236}">
+                <a16:creationId xmlns:a16="http://schemas.microsoft.com/office/drawing/2014/main" id="{3393BEB4-1965-484C-BE0F-A02E46EE3A7A}"/>
+              </a:ext>
+            </a:extLst>
+          </p:cNvPr>
+          <p:cNvPicPr>
+            <a:picLocks noChangeAspect="1"/>
+          </p:cNvPicPr>
+          <p:nvPr/>
+        </p:nvPicPr>
+        <p:blipFill rotWithShape="1">
+          <a:blip r:embed="rId3"/>
+          <a:srcRect l="2315" t="1876" r="1983" b="1302"/>
+          <a:stretch/>
+        </p:blipFill>
+        <p:spPr>
+          <a:xfrm>
+            <a:off x="2892145" y="2476571"/>
+            <a:ext cx="476574" cy="476573"/>
+          </a:xfrm>
+          <a:prstGeom prst="ellipse">
+            <a:avLst/>
+          </a:prstGeom>
+        </p:spPr>
+      </p:pic>
+      <p:pic>
+        <p:nvPicPr>
+          <p:cNvPr id="26" name="Image 8">
+            <a:extLst>
+              <a:ext uri="{FF2B5EF4-FFF2-40B4-BE49-F238E27FC236}">
+                <a16:creationId xmlns:a16="http://schemas.microsoft.com/office/drawing/2014/main" id="{4F7F71C0-EE9B-E548-91CC-6B06DD208A01}"/>
+              </a:ext>
+            </a:extLst>
+          </p:cNvPr>
+          <p:cNvPicPr>
+            <a:picLocks noChangeAspect="1"/>
+          </p:cNvPicPr>
+          <p:nvPr/>
+        </p:nvPicPr>
+        <p:blipFill rotWithShape="1">
+          <a:blip r:embed="rId3"/>
+          <a:srcRect l="2315" t="1876" r="1983" b="1302"/>
+          <a:stretch/>
+        </p:blipFill>
+        <p:spPr>
+          <a:xfrm>
+            <a:off x="1196462" y="3914142"/>
+            <a:ext cx="476574" cy="476573"/>
+          </a:xfrm>
+          <a:prstGeom prst="ellipse">
+            <a:avLst/>
+          </a:prstGeom>
+        </p:spPr>
+      </p:pic>
+      <p:sp>
+        <p:nvSpPr>
+          <p:cNvPr id="13" name="Rectangle 12">
+            <a:extLst>
+              <a:ext uri="{FF2B5EF4-FFF2-40B4-BE49-F238E27FC236}">
+                <a16:creationId xmlns:a16="http://schemas.microsoft.com/office/drawing/2014/main" id="{6CFBF260-5C92-BF4E-877B-97127F2EE8C9}"/>
+              </a:ext>
+            </a:extLst>
+          </p:cNvPr>
+          <p:cNvSpPr/>
+          <p:nvPr/>
+        </p:nvSpPr>
+        <p:spPr>
+          <a:xfrm>
+            <a:off x="5970906" y="2873020"/>
+            <a:ext cx="1269274" cy="533400"/>
+          </a:xfrm>
+          <a:prstGeom prst="rect">
+            <a:avLst/>
+          </a:prstGeom>
+          <a:ln/>
+        </p:spPr>
+        <p:style>
+          <a:lnRef idx="2">
+            <a:schemeClr val="dk1"/>
+          </a:lnRef>
+          <a:fillRef idx="1">
+            <a:schemeClr val="lt1"/>
+          </a:fillRef>
+          <a:effectRef idx="0">
+            <a:schemeClr val="dk1"/>
+          </a:effectRef>
+          <a:fontRef idx="minor">
+            <a:schemeClr val="dk1"/>
+          </a:fontRef>
+        </p:style>
+        <p:txBody>
+          <a:bodyPr rtlCol="0" anchor="ctr"/>
+          <a:lstStyle/>
+          <a:p>
+            <a:pPr algn="ctr"/>
+            <a:r>
+              <a:rPr lang="en-US" dirty="0"/>
+              <a:t>Document</a:t>
+            </a:r>
+          </a:p>
+        </p:txBody>
+      </p:sp>
+      <p:sp>
+        <p:nvSpPr>
+          <p:cNvPr id="27" name="Rectangle 26">
+            <a:extLst>
+              <a:ext uri="{FF2B5EF4-FFF2-40B4-BE49-F238E27FC236}">
+                <a16:creationId xmlns:a16="http://schemas.microsoft.com/office/drawing/2014/main" id="{86EC2CF6-3E41-F245-8E9B-6D29C9D7C76D}"/>
+              </a:ext>
+            </a:extLst>
+          </p:cNvPr>
+          <p:cNvSpPr/>
+          <p:nvPr/>
+        </p:nvSpPr>
+        <p:spPr>
+          <a:xfrm>
+            <a:off x="5970906" y="3748220"/>
+            <a:ext cx="1269274" cy="533400"/>
+          </a:xfrm>
+          <a:prstGeom prst="rect">
+            <a:avLst/>
+          </a:prstGeom>
+          <a:ln/>
+        </p:spPr>
+        <p:style>
+          <a:lnRef idx="2">
+            <a:schemeClr val="dk1"/>
+          </a:lnRef>
+          <a:fillRef idx="1">
+            <a:schemeClr val="lt1"/>
+          </a:fillRef>
+          <a:effectRef idx="0">
+            <a:schemeClr val="dk1"/>
+          </a:effectRef>
+          <a:fontRef idx="minor">
+            <a:schemeClr val="dk1"/>
+          </a:fontRef>
+        </p:style>
+        <p:txBody>
+          <a:bodyPr rtlCol="0" anchor="ctr"/>
+          <a:lstStyle/>
+          <a:p>
+            <a:pPr algn="ctr"/>
+            <a:r>
+              <a:rPr lang="en-US" dirty="0"/>
+              <a:t>HTML</a:t>
+            </a:r>
+          </a:p>
+        </p:txBody>
+      </p:sp>
+      <p:sp>
+        <p:nvSpPr>
+          <p:cNvPr id="28" name="Rectangle 27">
+            <a:extLst>
+              <a:ext uri="{FF2B5EF4-FFF2-40B4-BE49-F238E27FC236}">
+                <a16:creationId xmlns:a16="http://schemas.microsoft.com/office/drawing/2014/main" id="{EA20DA71-7467-CC4E-91B7-9C5DAAABA291}"/>
+              </a:ext>
+            </a:extLst>
+          </p:cNvPr>
+          <p:cNvSpPr/>
+          <p:nvPr/>
+        </p:nvSpPr>
+        <p:spPr>
+          <a:xfrm>
+            <a:off x="5000562" y="4572830"/>
+            <a:ext cx="1269274" cy="533400"/>
+          </a:xfrm>
+          <a:prstGeom prst="rect">
+            <a:avLst/>
+          </a:prstGeom>
+          <a:ln/>
+        </p:spPr>
+        <p:style>
+          <a:lnRef idx="2">
+            <a:schemeClr val="dk1"/>
+          </a:lnRef>
+          <a:fillRef idx="1">
+            <a:schemeClr val="lt1"/>
+          </a:fillRef>
+          <a:effectRef idx="0">
+            <a:schemeClr val="dk1"/>
+          </a:effectRef>
+          <a:fontRef idx="minor">
+            <a:schemeClr val="dk1"/>
+          </a:fontRef>
+        </p:style>
+        <p:txBody>
+          <a:bodyPr rtlCol="0" anchor="ctr"/>
+          <a:lstStyle/>
+          <a:p>
+            <a:pPr algn="ctr"/>
+            <a:r>
+              <a:rPr lang="en-US" dirty="0"/>
+              <a:t>Head</a:t>
+            </a:r>
+          </a:p>
+        </p:txBody>
+      </p:sp>
+      <p:sp>
+        <p:nvSpPr>
+          <p:cNvPr id="29" name="Rectangle 28">
+            <a:extLst>
+              <a:ext uri="{FF2B5EF4-FFF2-40B4-BE49-F238E27FC236}">
+                <a16:creationId xmlns:a16="http://schemas.microsoft.com/office/drawing/2014/main" id="{DD0214C6-9C96-6F44-A3A0-59A9CE8FB07C}"/>
+              </a:ext>
+            </a:extLst>
+          </p:cNvPr>
+          <p:cNvSpPr/>
+          <p:nvPr/>
+        </p:nvSpPr>
+        <p:spPr>
+          <a:xfrm>
+            <a:off x="6927334" y="4572830"/>
+            <a:ext cx="1269274" cy="533400"/>
+          </a:xfrm>
+          <a:prstGeom prst="rect">
+            <a:avLst/>
+          </a:prstGeom>
+          <a:ln/>
+        </p:spPr>
+        <p:style>
+          <a:lnRef idx="2">
+            <a:schemeClr val="dk1"/>
+          </a:lnRef>
+          <a:fillRef idx="1">
+            <a:schemeClr val="lt1"/>
+          </a:fillRef>
+          <a:effectRef idx="0">
+            <a:schemeClr val="dk1"/>
+          </a:effectRef>
+          <a:fontRef idx="minor">
+            <a:schemeClr val="dk1"/>
+          </a:fontRef>
+        </p:style>
+        <p:txBody>
+          <a:bodyPr rtlCol="0" anchor="ctr"/>
+          <a:lstStyle/>
+          <a:p>
+            <a:pPr algn="ctr"/>
+            <a:r>
+              <a:rPr lang="en-US" dirty="0"/>
+              <a:t>Body</a:t>
+            </a:r>
+          </a:p>
+        </p:txBody>
+      </p:sp>
+      <p:cxnSp>
+        <p:nvCxnSpPr>
+          <p:cNvPr id="30" name="Elbow Connector 29">
+            <a:extLst>
+              <a:ext uri="{FF2B5EF4-FFF2-40B4-BE49-F238E27FC236}">
+                <a16:creationId xmlns:a16="http://schemas.microsoft.com/office/drawing/2014/main" id="{834DC7F2-C709-5743-8B53-99FD622FF952}"/>
+              </a:ext>
+            </a:extLst>
+          </p:cNvPr>
+          <p:cNvCxnSpPr>
+            <a:endCxn id="28" idx="0"/>
+          </p:cNvCxnSpPr>
+          <p:nvPr/>
+        </p:nvCxnSpPr>
+        <p:spPr>
+          <a:xfrm rot="5400000">
+            <a:off x="5524098" y="4126022"/>
+            <a:ext cx="557910" cy="335707"/>
+          </a:xfrm>
+          <a:prstGeom prst="bentConnector3">
+            <a:avLst>
+              <a:gd name="adj1" fmla="val -730"/>
+            </a:avLst>
+          </a:prstGeom>
+          <a:ln w="19050"/>
+        </p:spPr>
+        <p:style>
+          <a:lnRef idx="1">
+            <a:schemeClr val="dk1"/>
+          </a:lnRef>
+          <a:fillRef idx="0">
+            <a:schemeClr val="dk1"/>
+          </a:fillRef>
+          <a:effectRef idx="0">
+            <a:schemeClr val="dk1"/>
+          </a:effectRef>
+          <a:fontRef idx="minor">
+            <a:schemeClr val="tx1"/>
+          </a:fontRef>
+        </p:style>
+      </p:cxnSp>
+      <p:cxnSp>
+        <p:nvCxnSpPr>
+          <p:cNvPr id="33" name="Elbow Connector 32">
+            <a:extLst>
+              <a:ext uri="{FF2B5EF4-FFF2-40B4-BE49-F238E27FC236}">
+                <a16:creationId xmlns:a16="http://schemas.microsoft.com/office/drawing/2014/main" id="{A943769E-302A-E742-B21F-10915E97DAF8}"/>
+              </a:ext>
+            </a:extLst>
+          </p:cNvPr>
+          <p:cNvCxnSpPr>
+            <a:stCxn id="27" idx="3"/>
+            <a:endCxn id="29" idx="0"/>
+          </p:cNvCxnSpPr>
+          <p:nvPr/>
+        </p:nvCxnSpPr>
+        <p:spPr>
+          <a:xfrm>
+            <a:off x="7240180" y="4014920"/>
+            <a:ext cx="321791" cy="557910"/>
+          </a:xfrm>
+          <a:prstGeom prst="bentConnector2">
+            <a:avLst/>
+          </a:prstGeom>
+          <a:ln w="19050"/>
+        </p:spPr>
+        <p:style>
+          <a:lnRef idx="1">
+            <a:schemeClr val="dk1"/>
+          </a:lnRef>
+          <a:fillRef idx="0">
+            <a:schemeClr val="dk1"/>
+          </a:fillRef>
+          <a:effectRef idx="0">
+            <a:schemeClr val="dk1"/>
+          </a:effectRef>
+          <a:fontRef idx="minor">
+            <a:schemeClr val="tx1"/>
+          </a:fontRef>
+        </p:style>
+      </p:cxnSp>
+      <p:cxnSp>
+        <p:nvCxnSpPr>
+          <p:cNvPr id="35" name="Straight Connector 34">
+            <a:extLst>
+              <a:ext uri="{FF2B5EF4-FFF2-40B4-BE49-F238E27FC236}">
+                <a16:creationId xmlns:a16="http://schemas.microsoft.com/office/drawing/2014/main" id="{6CDFA5F0-0EC6-CB49-B319-861E6706EBE8}"/>
+              </a:ext>
+            </a:extLst>
+          </p:cNvPr>
+          <p:cNvCxnSpPr>
+            <a:stCxn id="13" idx="2"/>
+            <a:endCxn id="27" idx="0"/>
+          </p:cNvCxnSpPr>
+          <p:nvPr/>
+        </p:nvCxnSpPr>
+        <p:spPr>
+          <a:xfrm>
+            <a:off x="6605543" y="3406420"/>
+            <a:ext cx="0" cy="341800"/>
+          </a:xfrm>
+          <a:prstGeom prst="line">
+            <a:avLst/>
+          </a:prstGeom>
+          <a:ln w="19050"/>
+        </p:spPr>
+        <p:style>
+          <a:lnRef idx="1">
+            <a:schemeClr val="dk1"/>
+          </a:lnRef>
+          <a:fillRef idx="0">
+            <a:schemeClr val="dk1"/>
+          </a:fillRef>
+          <a:effectRef idx="0">
+            <a:schemeClr val="dk1"/>
+          </a:effectRef>
+          <a:fontRef idx="minor">
+            <a:schemeClr val="tx1"/>
+          </a:fontRef>
+        </p:style>
+      </p:cxnSp>
     </p:spTree>
     <p:extLst>
       <p:ext uri="{BB962C8B-B14F-4D97-AF65-F5344CB8AC3E}">
@@ -7952,13 +8552,6 @@
   <p:clrMapOvr>
     <a:masterClrMapping/>
   </p:clrMapOvr>
-  <p:timing>
-    <p:tnLst>
-      <p:par>
-        <p:cTn id="1" dur="indefinite" restart="never" nodeType="tmRoot"/>
-      </p:par>
-    </p:tnLst>
-  </p:timing>
 </p:sld>
 </file>
 
@@ -7995,10 +8588,9 @@
           <a:lstStyle/>
           <a:p>
             <a:r>
-              <a:rPr lang="fr-FR" dirty="0" smtClean="0"/>
+              <a:rPr lang="fr-FR" dirty="0"/>
               <a:t>Outil des développeurs </a:t>
             </a:r>
-            <a:endParaRPr lang="fr-FR" dirty="0"/>
           </a:p>
         </p:txBody>
       </p:sp>
@@ -8019,7 +8611,7 @@
           <a:p>
             <a:fld id="{BB2FA04C-1355-4CE6-8050-4BD994E23BD5}" type="datetime4">
               <a:rPr lang="fr-FR" smtClean="0"/>
-              <a:t>24 mai 2019</a:t>
+              <a:t>27 mai 2019</a:t>
             </a:fld>
             <a:endParaRPr lang="fr-FR" dirty="0"/>
           </a:p>
@@ -8041,10 +8633,9 @@
           <a:lstStyle/>
           <a:p>
             <a:r>
-              <a:rPr lang="fr-FR" smtClean="0"/>
+              <a:rPr lang="fr-FR"/>
               <a:t>DIU NSI</a:t>
             </a:r>
-            <a:endParaRPr lang="fr-FR"/>
           </a:p>
         </p:txBody>
       </p:sp>
@@ -8106,13 +8697,6 @@
   <p:clrMapOvr>
     <a:masterClrMapping/>
   </p:clrMapOvr>
-  <p:timing>
-    <p:tnLst>
-      <p:par>
-        <p:cTn id="1" dur="indefinite" restart="never" nodeType="tmRoot"/>
-      </p:par>
-    </p:tnLst>
-  </p:timing>
 </p:sld>
 </file>
 
@@ -8149,10 +8733,9 @@
           <a:lstStyle/>
           <a:p>
             <a:r>
-              <a:rPr lang="fr-FR" dirty="0" smtClean="0"/>
+              <a:rPr lang="fr-FR" dirty="0"/>
               <a:t>Résumé</a:t>
             </a:r>
-            <a:endParaRPr lang="fr-FR" dirty="0"/>
           </a:p>
         </p:txBody>
       </p:sp>
@@ -8171,64 +8754,115 @@
           <a:bodyPr/>
           <a:lstStyle/>
           <a:p>
-            <a:r>
-              <a:rPr lang="fr-FR" dirty="0" smtClean="0"/>
-              <a:t>Langage textuel pour les sites Web (</a:t>
-            </a:r>
-            <a:r>
-              <a:rPr lang="fr-FR" strike="sngStrike" dirty="0" smtClean="0"/>
-              <a:t>pas un </a:t>
-            </a:r>
-            <a:r>
-              <a:rPr lang="fr-FR" strike="sngStrike" smtClean="0"/>
-              <a:t>langage de programmation</a:t>
-            </a:r>
-            <a:r>
-              <a:rPr lang="fr-FR" dirty="0"/>
+            <a:pPr marL="400050" indent="-400050"/>
+            <a:r>
+              <a:rPr lang="fr-FR" sz="2400" b="1" dirty="0"/>
+              <a:t>Langage textuel </a:t>
+            </a:r>
+            <a:r>
+              <a:rPr lang="fr-FR" sz="2400" dirty="0"/>
+              <a:t>pour les sites Web </a:t>
+            </a:r>
+            <a:br>
+              <a:rPr lang="fr-FR" sz="2400" dirty="0"/>
+            </a:br>
+            <a:r>
+              <a:rPr lang="fr-FR" sz="2400" dirty="0"/>
+              <a:t>(</a:t>
+            </a:r>
+            <a:r>
+              <a:rPr lang="fr-FR" sz="2400" strike="sngStrike" dirty="0"/>
+              <a:t>pas un langage de programmation</a:t>
+            </a:r>
+            <a:r>
+              <a:rPr lang="fr-FR" sz="2400" dirty="0"/>
               <a:t>)</a:t>
             </a:r>
-            <a:endParaRPr lang="fr-FR" dirty="0" smtClean="0"/>
-          </a:p>
-          <a:p>
-            <a:endParaRPr lang="fr-FR" dirty="0" smtClean="0"/>
-          </a:p>
-          <a:p>
-            <a:r>
-              <a:rPr lang="fr-FR" dirty="0" smtClean="0"/>
-              <a:t>Ensemble de balises structurant le fond (forme par défaut changeable en CSS)</a:t>
-            </a:r>
-          </a:p>
-          <a:p>
-            <a:endParaRPr lang="fr-FR" dirty="0"/>
-          </a:p>
-          <a:p>
-            <a:r>
-              <a:rPr lang="fr-FR" dirty="0" smtClean="0"/>
-              <a:t>Exploité par les navigateurs pour afficher les pages web</a:t>
-            </a:r>
-          </a:p>
-          <a:p>
-            <a:endParaRPr lang="fr-FR" dirty="0"/>
-          </a:p>
-          <a:p>
-            <a:r>
-              <a:rPr lang="fr-FR" dirty="0" smtClean="0"/>
-              <a:t>Les Navigateurs « traduise » le HTML en un arbre d’</a:t>
-            </a:r>
-            <a:r>
-              <a:rPr lang="fr-FR" dirty="0" err="1" smtClean="0"/>
-              <a:t>élements</a:t>
-            </a:r>
-            <a:r>
-              <a:rPr lang="fr-FR" dirty="0" smtClean="0"/>
-              <a:t> (DOM </a:t>
-            </a:r>
-            <a:r>
-              <a:rPr lang="fr-FR" dirty="0" err="1" smtClean="0"/>
+          </a:p>
+          <a:p>
+            <a:pPr marL="400050" indent="-400050"/>
+            <a:endParaRPr lang="fr-FR" sz="2400" dirty="0"/>
+          </a:p>
+          <a:p>
+            <a:pPr marL="400050" indent="-400050"/>
+            <a:r>
+              <a:rPr lang="fr-FR" sz="2400" dirty="0"/>
+              <a:t>Ensemble de </a:t>
+            </a:r>
+            <a:r>
+              <a:rPr lang="fr-FR" sz="2400" b="1" dirty="0"/>
+              <a:t>balises</a:t>
+            </a:r>
+            <a:r>
+              <a:rPr lang="fr-FR" sz="2400" dirty="0"/>
+              <a:t> structurant le </a:t>
+            </a:r>
+            <a:r>
+              <a:rPr lang="fr-FR" sz="2400" b="1" dirty="0"/>
+              <a:t>fond</a:t>
+            </a:r>
+            <a:r>
+              <a:rPr lang="fr-FR" sz="2400" dirty="0"/>
+              <a:t> </a:t>
+            </a:r>
+            <a:br>
+              <a:rPr lang="fr-FR" sz="2400" dirty="0"/>
+            </a:br>
+            <a:r>
+              <a:rPr lang="fr-FR" sz="2400" dirty="0"/>
+              <a:t>(forme par défaut modifiable en CSS)</a:t>
+            </a:r>
+          </a:p>
+          <a:p>
+            <a:pPr marL="400050" indent="-400050"/>
+            <a:endParaRPr lang="fr-FR" sz="2400" dirty="0"/>
+          </a:p>
+          <a:p>
+            <a:pPr marL="400050" indent="-400050"/>
+            <a:r>
+              <a:rPr lang="fr-FR" sz="2400" dirty="0"/>
+              <a:t>Exploité par les </a:t>
+            </a:r>
+            <a:r>
+              <a:rPr lang="fr-FR" sz="2400" b="1" dirty="0"/>
+              <a:t>navigateurs</a:t>
+            </a:r>
+            <a:r>
+              <a:rPr lang="fr-FR" sz="2400" dirty="0"/>
+              <a:t> pour afficher les pages web</a:t>
+            </a:r>
+          </a:p>
+          <a:p>
+            <a:pPr marL="400050" indent="-400050"/>
+            <a:endParaRPr lang="fr-FR" sz="2400" dirty="0"/>
+          </a:p>
+          <a:p>
+            <a:pPr marL="400050" indent="-400050"/>
+            <a:r>
+              <a:rPr lang="fr-FR" sz="2400" dirty="0"/>
+              <a:t>Les navigateurs « traduisent » le HTML </a:t>
+            </a:r>
+            <a:br>
+              <a:rPr lang="fr-FR" sz="2400" dirty="0"/>
+            </a:br>
+            <a:r>
+              <a:rPr lang="fr-FR" sz="2400" dirty="0"/>
+              <a:t>en un </a:t>
+            </a:r>
+            <a:r>
+              <a:rPr lang="fr-FR" sz="2400" b="1" dirty="0"/>
+              <a:t>arbre d’éléments </a:t>
+            </a:r>
+            <a:r>
+              <a:rPr lang="fr-FR" sz="2400" dirty="0"/>
+              <a:t>(DOM </a:t>
+            </a:r>
+            <a:r>
+              <a:rPr lang="fr-FR" sz="2400" dirty="0" err="1"/>
               <a:t>tree</a:t>
             </a:r>
             <a:r>
-              <a:rPr lang="fr-FR" dirty="0" smtClean="0"/>
+              <a:rPr lang="fr-FR" sz="2400" dirty="0"/>
               <a:t>)</a:t>
             </a:r>
           </a:p>
@@ -8254,7 +8888,7 @@
           <a:p>
             <a:fld id="{BB2FA04C-1355-4CE6-8050-4BD994E23BD5}" type="datetime4">
               <a:rPr lang="fr-FR" smtClean="0"/>
-              <a:t>24 mai 2019</a:t>
+              <a:t>27 mai 2019</a:t>
             </a:fld>
             <a:endParaRPr lang="fr-FR" dirty="0"/>
           </a:p>
@@ -8276,10 +8910,9 @@
           <a:lstStyle/>
           <a:p>
             <a:r>
-              <a:rPr lang="fr-FR" smtClean="0"/>
+              <a:rPr lang="fr-FR"/>
               <a:t>DIU NSI</a:t>
             </a:r>
-            <a:endParaRPr lang="fr-FR"/>
           </a:p>
         </p:txBody>
       </p:sp>
@@ -8317,13 +8950,6 @@
   <p:clrMapOvr>
     <a:masterClrMapping/>
   </p:clrMapOvr>
-  <p:timing>
-    <p:tnLst>
-      <p:par>
-        <p:cTn id="1" dur="indefinite" restart="never" nodeType="tmRoot"/>
-      </p:par>
-    </p:tnLst>
-  </p:timing>
 </p:sld>
 </file>
 
